--- a/Chile/Look at sources of variability identifiable from the.pptx
+++ b/Chile/Look at sources of variability identifiable from the.pptx
@@ -7,31 +7,38 @@
   <p:sldIdLst>
     <p:sldId id="258" r:id="rId2"/>
     <p:sldId id="257" r:id="rId3"/>
-    <p:sldId id="259" r:id="rId4"/>
-    <p:sldId id="260" r:id="rId5"/>
-    <p:sldId id="261" r:id="rId6"/>
-    <p:sldId id="264" r:id="rId7"/>
-    <p:sldId id="265" r:id="rId8"/>
-    <p:sldId id="266" r:id="rId9"/>
-    <p:sldId id="267" r:id="rId10"/>
-    <p:sldId id="268" r:id="rId11"/>
-    <p:sldId id="269" r:id="rId12"/>
-    <p:sldId id="271" r:id="rId13"/>
-    <p:sldId id="270" r:id="rId14"/>
-    <p:sldId id="262" r:id="rId15"/>
-    <p:sldId id="263" r:id="rId16"/>
-    <p:sldId id="272" r:id="rId17"/>
-    <p:sldId id="275" r:id="rId18"/>
-    <p:sldId id="274" r:id="rId19"/>
-    <p:sldId id="276" r:id="rId20"/>
-    <p:sldId id="273" r:id="rId21"/>
-    <p:sldId id="277" r:id="rId22"/>
-    <p:sldId id="278" r:id="rId23"/>
-    <p:sldId id="279" r:id="rId24"/>
-    <p:sldId id="280" r:id="rId25"/>
-    <p:sldId id="281" r:id="rId26"/>
-    <p:sldId id="282" r:id="rId27"/>
-    <p:sldId id="283" r:id="rId28"/>
+    <p:sldId id="289" r:id="rId4"/>
+    <p:sldId id="290" r:id="rId5"/>
+    <p:sldId id="259" r:id="rId6"/>
+    <p:sldId id="260" r:id="rId7"/>
+    <p:sldId id="261" r:id="rId8"/>
+    <p:sldId id="264" r:id="rId9"/>
+    <p:sldId id="265" r:id="rId10"/>
+    <p:sldId id="266" r:id="rId11"/>
+    <p:sldId id="267" r:id="rId12"/>
+    <p:sldId id="268" r:id="rId13"/>
+    <p:sldId id="269" r:id="rId14"/>
+    <p:sldId id="271" r:id="rId15"/>
+    <p:sldId id="270" r:id="rId16"/>
+    <p:sldId id="262" r:id="rId17"/>
+    <p:sldId id="263" r:id="rId18"/>
+    <p:sldId id="272" r:id="rId19"/>
+    <p:sldId id="275" r:id="rId20"/>
+    <p:sldId id="274" r:id="rId21"/>
+    <p:sldId id="276" r:id="rId22"/>
+    <p:sldId id="273" r:id="rId23"/>
+    <p:sldId id="277" r:id="rId24"/>
+    <p:sldId id="278" r:id="rId25"/>
+    <p:sldId id="279" r:id="rId26"/>
+    <p:sldId id="280" r:id="rId27"/>
+    <p:sldId id="281" r:id="rId28"/>
+    <p:sldId id="282" r:id="rId29"/>
+    <p:sldId id="283" r:id="rId30"/>
+    <p:sldId id="284" r:id="rId31"/>
+    <p:sldId id="286" r:id="rId32"/>
+    <p:sldId id="287" r:id="rId33"/>
+    <p:sldId id="285" r:id="rId34"/>
+    <p:sldId id="288" r:id="rId35"/>
   </p:sldIdLst>
   <p:sldSz cx="12192000" cy="6858000"/>
   <p:notesSz cx="6858000" cy="9144000"/>
@@ -137,6 +144,20 @@
           <p14:sldIdLst>
             <p14:sldId id="258"/>
             <p14:sldId id="257"/>
+          </p14:sldIdLst>
+        </p14:section>
+        <p14:section name="Examining correlates of seafood intake" id="{2B3B38A4-6B46-44B2-A961-2534D3B142CD}">
+          <p14:sldIdLst>
+            <p14:sldId id="289"/>
+          </p14:sldIdLst>
+        </p14:section>
+        <p14:section name="Examining correlates of water intake and urine volume" id="{4D4401EF-F960-4DA3-8EFF-AC05D46D4844}">
+          <p14:sldIdLst>
+            <p14:sldId id="290"/>
+          </p14:sldIdLst>
+        </p14:section>
+        <p14:section name="Untitled Section" id="{E7644D7E-4C96-47F8-BE6F-2A1E4BAE396C}">
+          <p14:sldIdLst>
             <p14:sldId id="259"/>
             <p14:sldId id="260"/>
             <p14:sldId id="261"/>
@@ -166,6 +187,11 @@
             <p14:sldId id="281"/>
             <p14:sldId id="282"/>
             <p14:sldId id="283"/>
+            <p14:sldId id="284"/>
+            <p14:sldId id="286"/>
+            <p14:sldId id="287"/>
+            <p14:sldId id="285"/>
+            <p14:sldId id="288"/>
           </p14:sldIdLst>
         </p14:section>
       </p14:sectionLst>
@@ -324,7 +350,7 @@
           <a:p>
             <a:fld id="{930CCBCE-08E7-4F1C-A321-5117605E3B68}" type="datetimeFigureOut">
               <a:rPr lang="en-US" smtClean="0"/>
-              <a:t>9/17/2020</a:t>
+              <a:t>9/24/2020</a:t>
             </a:fld>
             <a:endParaRPr lang="en-US"/>
           </a:p>
@@ -522,7 +548,7 @@
           <a:p>
             <a:fld id="{930CCBCE-08E7-4F1C-A321-5117605E3B68}" type="datetimeFigureOut">
               <a:rPr lang="en-US" smtClean="0"/>
-              <a:t>9/17/2020</a:t>
+              <a:t>9/24/2020</a:t>
             </a:fld>
             <a:endParaRPr lang="en-US"/>
           </a:p>
@@ -730,7 +756,7 @@
           <a:p>
             <a:fld id="{930CCBCE-08E7-4F1C-A321-5117605E3B68}" type="datetimeFigureOut">
               <a:rPr lang="en-US" smtClean="0"/>
-              <a:t>9/17/2020</a:t>
+              <a:t>9/24/2020</a:t>
             </a:fld>
             <a:endParaRPr lang="en-US"/>
           </a:p>
@@ -928,7 +954,7 @@
           <a:p>
             <a:fld id="{930CCBCE-08E7-4F1C-A321-5117605E3B68}" type="datetimeFigureOut">
               <a:rPr lang="en-US" smtClean="0"/>
-              <a:t>9/17/2020</a:t>
+              <a:t>9/24/2020</a:t>
             </a:fld>
             <a:endParaRPr lang="en-US"/>
           </a:p>
@@ -1203,7 +1229,7 @@
           <a:p>
             <a:fld id="{930CCBCE-08E7-4F1C-A321-5117605E3B68}" type="datetimeFigureOut">
               <a:rPr lang="en-US" smtClean="0"/>
-              <a:t>9/17/2020</a:t>
+              <a:t>9/24/2020</a:t>
             </a:fld>
             <a:endParaRPr lang="en-US"/>
           </a:p>
@@ -1468,7 +1494,7 @@
           <a:p>
             <a:fld id="{930CCBCE-08E7-4F1C-A321-5117605E3B68}" type="datetimeFigureOut">
               <a:rPr lang="en-US" smtClean="0"/>
-              <a:t>9/17/2020</a:t>
+              <a:t>9/24/2020</a:t>
             </a:fld>
             <a:endParaRPr lang="en-US"/>
           </a:p>
@@ -1880,7 +1906,7 @@
           <a:p>
             <a:fld id="{930CCBCE-08E7-4F1C-A321-5117605E3B68}" type="datetimeFigureOut">
               <a:rPr lang="en-US" smtClean="0"/>
-              <a:t>9/17/2020</a:t>
+              <a:t>9/24/2020</a:t>
             </a:fld>
             <a:endParaRPr lang="en-US"/>
           </a:p>
@@ -2021,7 +2047,7 @@
           <a:p>
             <a:fld id="{930CCBCE-08E7-4F1C-A321-5117605E3B68}" type="datetimeFigureOut">
               <a:rPr lang="en-US" smtClean="0"/>
-              <a:t>9/17/2020</a:t>
+              <a:t>9/24/2020</a:t>
             </a:fld>
             <a:endParaRPr lang="en-US"/>
           </a:p>
@@ -2134,7 +2160,7 @@
           <a:p>
             <a:fld id="{930CCBCE-08E7-4F1C-A321-5117605E3B68}" type="datetimeFigureOut">
               <a:rPr lang="en-US" smtClean="0"/>
-              <a:t>9/17/2020</a:t>
+              <a:t>9/24/2020</a:t>
             </a:fld>
             <a:endParaRPr lang="en-US"/>
           </a:p>
@@ -2445,7 +2471,7 @@
           <a:p>
             <a:fld id="{930CCBCE-08E7-4F1C-A321-5117605E3B68}" type="datetimeFigureOut">
               <a:rPr lang="en-US" smtClean="0"/>
-              <a:t>9/17/2020</a:t>
+              <a:t>9/24/2020</a:t>
             </a:fld>
             <a:endParaRPr lang="en-US"/>
           </a:p>
@@ -2733,7 +2759,7 @@
           <a:p>
             <a:fld id="{930CCBCE-08E7-4F1C-A321-5117605E3B68}" type="datetimeFigureOut">
               <a:rPr lang="en-US" smtClean="0"/>
-              <a:t>9/17/2020</a:t>
+              <a:t>9/24/2020</a:t>
             </a:fld>
             <a:endParaRPr lang="en-US"/>
           </a:p>
@@ -2974,7 +3000,7 @@
           <a:p>
             <a:fld id="{930CCBCE-08E7-4F1C-A321-5117605E3B68}" type="datetimeFigureOut">
               <a:rPr lang="en-US" smtClean="0"/>
-              <a:t>9/17/2020</a:t>
+              <a:t>9/24/2020</a:t>
             </a:fld>
             <a:endParaRPr lang="en-US"/>
           </a:p>
@@ -3515,6 +3541,246 @@
       </p:sp>
       <p:pic>
         <p:nvPicPr>
+          <p:cNvPr id="3" name="Picture 2">
+            <a:extLst>
+              <a:ext uri="{FF2B5EF4-FFF2-40B4-BE49-F238E27FC236}">
+                <a16:creationId xmlns:a16="http://schemas.microsoft.com/office/drawing/2014/main" id="{8B7E99DB-F495-4196-A476-BED1594F201E}"/>
+              </a:ext>
+            </a:extLst>
+          </p:cNvPr>
+          <p:cNvPicPr>
+            <a:picLocks noChangeAspect="1"/>
+          </p:cNvPicPr>
+          <p:nvPr/>
+        </p:nvPicPr>
+        <p:blipFill>
+          <a:blip r:embed="rId2"/>
+          <a:stretch>
+            <a:fillRect/>
+          </a:stretch>
+        </p:blipFill>
+        <p:spPr>
+          <a:xfrm>
+            <a:off x="259552" y="2272822"/>
+            <a:ext cx="4914286" cy="4485714"/>
+          </a:xfrm>
+          <a:prstGeom prst="rect">
+            <a:avLst/>
+          </a:prstGeom>
+        </p:spPr>
+      </p:pic>
+      <p:pic>
+        <p:nvPicPr>
+          <p:cNvPr id="4" name="Picture 3">
+            <a:extLst>
+              <a:ext uri="{FF2B5EF4-FFF2-40B4-BE49-F238E27FC236}">
+                <a16:creationId xmlns:a16="http://schemas.microsoft.com/office/drawing/2014/main" id="{C14B8883-3C1E-452E-82D5-0922EFED02D8}"/>
+              </a:ext>
+            </a:extLst>
+          </p:cNvPr>
+          <p:cNvPicPr>
+            <a:picLocks noChangeAspect="1"/>
+          </p:cNvPicPr>
+          <p:nvPr/>
+        </p:nvPicPr>
+        <p:blipFill>
+          <a:blip r:embed="rId3"/>
+          <a:stretch>
+            <a:fillRect/>
+          </a:stretch>
+        </p:blipFill>
+        <p:spPr>
+          <a:xfrm>
+            <a:off x="6096000" y="2140300"/>
+            <a:ext cx="4914286" cy="4485714"/>
+          </a:xfrm>
+          <a:prstGeom prst="rect">
+            <a:avLst/>
+          </a:prstGeom>
+        </p:spPr>
+      </p:pic>
+    </p:spTree>
+    <p:extLst>
+      <p:ext uri="{BB962C8B-B14F-4D97-AF65-F5344CB8AC3E}">
+        <p14:creationId xmlns:p14="http://schemas.microsoft.com/office/powerpoint/2010/main" val="1404439945"/>
+      </p:ext>
+    </p:extLst>
+  </p:cSld>
+  <p:clrMapOvr>
+    <a:masterClrMapping/>
+  </p:clrMapOvr>
+</p:sld>
+</file>
+
+<file path=ppt/slides/slide11.xml><?xml version="1.0" encoding="utf-8"?>
+<p:sld xmlns:a="http://schemas.openxmlformats.org/drawingml/2006/main" xmlns:r="http://schemas.openxmlformats.org/officeDocument/2006/relationships" xmlns:p="http://schemas.openxmlformats.org/presentationml/2006/main">
+  <p:cSld>
+    <p:spTree>
+      <p:nvGrpSpPr>
+        <p:cNvPr id="1" name=""/>
+        <p:cNvGrpSpPr/>
+        <p:nvPr/>
+      </p:nvGrpSpPr>
+      <p:grpSpPr>
+        <a:xfrm>
+          <a:off x="0" y="0"/>
+          <a:ext cx="0" cy="0"/>
+          <a:chOff x="0" y="0"/>
+          <a:chExt cx="0" cy="0"/>
+        </a:xfrm>
+      </p:grpSpPr>
+      <p:sp>
+        <p:nvSpPr>
+          <p:cNvPr id="2" name="Title 1">
+            <a:extLst>
+              <a:ext uri="{FF2B5EF4-FFF2-40B4-BE49-F238E27FC236}">
+                <a16:creationId xmlns:a16="http://schemas.microsoft.com/office/drawing/2014/main" id="{C815984A-1A42-4960-B3FD-79AFE0C6460D}"/>
+              </a:ext>
+            </a:extLst>
+          </p:cNvPr>
+          <p:cNvSpPr>
+            <a:spLocks noGrp="1"/>
+          </p:cNvSpPr>
+          <p:nvPr>
+            <p:ph type="title"/>
+          </p:nvPr>
+        </p:nvSpPr>
+        <p:spPr/>
+        <p:txBody>
+          <a:bodyPr>
+            <a:normAutofit fontScale="90000"/>
+          </a:bodyPr>
+          <a:lstStyle/>
+          <a:p>
+            <a:r>
+              <a:rPr lang="en-US" dirty="0"/>
+              <a:t>Do municipal and other source drinkers have different outcome distributions in each bin of drinking water arsenic?</a:t>
+            </a:r>
+          </a:p>
+        </p:txBody>
+      </p:sp>
+      <p:pic>
+        <p:nvPicPr>
+          <p:cNvPr id="5" name="Picture 4">
+            <a:extLst>
+              <a:ext uri="{FF2B5EF4-FFF2-40B4-BE49-F238E27FC236}">
+                <a16:creationId xmlns:a16="http://schemas.microsoft.com/office/drawing/2014/main" id="{EB0D8D72-D566-420B-A279-8C3F19F2077B}"/>
+              </a:ext>
+            </a:extLst>
+          </p:cNvPr>
+          <p:cNvPicPr>
+            <a:picLocks noChangeAspect="1"/>
+          </p:cNvPicPr>
+          <p:nvPr/>
+        </p:nvPicPr>
+        <p:blipFill>
+          <a:blip r:embed="rId2"/>
+          <a:stretch>
+            <a:fillRect/>
+          </a:stretch>
+        </p:blipFill>
+        <p:spPr>
+          <a:xfrm>
+            <a:off x="272804" y="2140300"/>
+            <a:ext cx="4914286" cy="4485714"/>
+          </a:xfrm>
+          <a:prstGeom prst="rect">
+            <a:avLst/>
+          </a:prstGeom>
+        </p:spPr>
+      </p:pic>
+      <p:pic>
+        <p:nvPicPr>
+          <p:cNvPr id="6" name="Picture 5">
+            <a:extLst>
+              <a:ext uri="{FF2B5EF4-FFF2-40B4-BE49-F238E27FC236}">
+                <a16:creationId xmlns:a16="http://schemas.microsoft.com/office/drawing/2014/main" id="{7A16F652-9AFC-474E-A847-7D7B0B7E6639}"/>
+              </a:ext>
+            </a:extLst>
+          </p:cNvPr>
+          <p:cNvPicPr>
+            <a:picLocks noChangeAspect="1"/>
+          </p:cNvPicPr>
+          <p:nvPr/>
+        </p:nvPicPr>
+        <p:blipFill>
+          <a:blip r:embed="rId3"/>
+          <a:stretch>
+            <a:fillRect/>
+          </a:stretch>
+        </p:blipFill>
+        <p:spPr>
+          <a:xfrm>
+            <a:off x="5560422" y="2140300"/>
+            <a:ext cx="4914286" cy="4485714"/>
+          </a:xfrm>
+          <a:prstGeom prst="rect">
+            <a:avLst/>
+          </a:prstGeom>
+        </p:spPr>
+      </p:pic>
+    </p:spTree>
+    <p:extLst>
+      <p:ext uri="{BB962C8B-B14F-4D97-AF65-F5344CB8AC3E}">
+        <p14:creationId xmlns:p14="http://schemas.microsoft.com/office/powerpoint/2010/main" val="2255390969"/>
+      </p:ext>
+    </p:extLst>
+  </p:cSld>
+  <p:clrMapOvr>
+    <a:masterClrMapping/>
+  </p:clrMapOvr>
+</p:sld>
+</file>
+
+<file path=ppt/slides/slide12.xml><?xml version="1.0" encoding="utf-8"?>
+<p:sld xmlns:a="http://schemas.openxmlformats.org/drawingml/2006/main" xmlns:r="http://schemas.openxmlformats.org/officeDocument/2006/relationships" xmlns:p="http://schemas.openxmlformats.org/presentationml/2006/main">
+  <p:cSld>
+    <p:spTree>
+      <p:nvGrpSpPr>
+        <p:cNvPr id="1" name=""/>
+        <p:cNvGrpSpPr/>
+        <p:nvPr/>
+      </p:nvGrpSpPr>
+      <p:grpSpPr>
+        <a:xfrm>
+          <a:off x="0" y="0"/>
+          <a:ext cx="0" cy="0"/>
+          <a:chOff x="0" y="0"/>
+          <a:chExt cx="0" cy="0"/>
+        </a:xfrm>
+      </p:grpSpPr>
+      <p:sp>
+        <p:nvSpPr>
+          <p:cNvPr id="2" name="Title 1">
+            <a:extLst>
+              <a:ext uri="{FF2B5EF4-FFF2-40B4-BE49-F238E27FC236}">
+                <a16:creationId xmlns:a16="http://schemas.microsoft.com/office/drawing/2014/main" id="{C815984A-1A42-4960-B3FD-79AFE0C6460D}"/>
+              </a:ext>
+            </a:extLst>
+          </p:cNvPr>
+          <p:cNvSpPr>
+            <a:spLocks noGrp="1"/>
+          </p:cNvSpPr>
+          <p:nvPr>
+            <p:ph type="title"/>
+          </p:nvPr>
+        </p:nvSpPr>
+        <p:spPr/>
+        <p:txBody>
+          <a:bodyPr>
+            <a:normAutofit fontScale="90000"/>
+          </a:bodyPr>
+          <a:lstStyle/>
+          <a:p>
+            <a:r>
+              <a:rPr lang="en-US" dirty="0"/>
+              <a:t>Do municipal and other source drinkers have different outcome distributions in each bin of drinking water arsenic?</a:t>
+            </a:r>
+          </a:p>
+        </p:txBody>
+      </p:sp>
+      <p:pic>
+        <p:nvPicPr>
           <p:cNvPr id="5" name="Picture 4">
             <a:extLst>
               <a:ext uri="{FF2B5EF4-FFF2-40B4-BE49-F238E27FC236}">
@@ -3586,7 +3852,7 @@
 </p:sld>
 </file>
 
-<file path=ppt/slides/slide11.xml><?xml version="1.0" encoding="utf-8"?>
+<file path=ppt/slides/slide13.xml><?xml version="1.0" encoding="utf-8"?>
 <p:sld xmlns:a="http://schemas.openxmlformats.org/drawingml/2006/main" xmlns:r="http://schemas.openxmlformats.org/officeDocument/2006/relationships" xmlns:p="http://schemas.openxmlformats.org/presentationml/2006/main">
   <p:cSld>
     <p:spTree>
@@ -3706,7 +3972,7 @@
 </p:sld>
 </file>
 
-<file path=ppt/slides/slide12.xml><?xml version="1.0" encoding="utf-8"?>
+<file path=ppt/slides/slide14.xml><?xml version="1.0" encoding="utf-8"?>
 <p:sld xmlns:a="http://schemas.openxmlformats.org/drawingml/2006/main" xmlns:r="http://schemas.openxmlformats.org/officeDocument/2006/relationships" xmlns:p="http://schemas.openxmlformats.org/presentationml/2006/main">
   <p:cSld>
     <p:spTree>
@@ -3826,7 +4092,7 @@
 </p:sld>
 </file>
 
-<file path=ppt/slides/slide13.xml><?xml version="1.0" encoding="utf-8"?>
+<file path=ppt/slides/slide15.xml><?xml version="1.0" encoding="utf-8"?>
 <p:sld xmlns:a="http://schemas.openxmlformats.org/drawingml/2006/main" xmlns:r="http://schemas.openxmlformats.org/officeDocument/2006/relationships" xmlns:p="http://schemas.openxmlformats.org/presentationml/2006/main">
   <p:cSld>
     <p:spTree>
@@ -3946,7 +4212,7 @@
 </p:sld>
 </file>
 
-<file path=ppt/slides/slide14.xml><?xml version="1.0" encoding="utf-8"?>
+<file path=ppt/slides/slide16.xml><?xml version="1.0" encoding="utf-8"?>
 <p:sld xmlns:a="http://schemas.openxmlformats.org/drawingml/2006/main" xmlns:r="http://schemas.openxmlformats.org/officeDocument/2006/relationships" xmlns:p="http://schemas.openxmlformats.org/presentationml/2006/main">
   <p:cSld>
     <p:spTree>
@@ -4340,7 +4606,7 @@
 </p:sld>
 </file>
 
-<file path=ppt/slides/slide15.xml><?xml version="1.0" encoding="utf-8"?>
+<file path=ppt/slides/slide17.xml><?xml version="1.0" encoding="utf-8"?>
 <p:sld xmlns:a="http://schemas.openxmlformats.org/drawingml/2006/main" xmlns:r="http://schemas.openxmlformats.org/officeDocument/2006/relationships" xmlns:p="http://schemas.openxmlformats.org/presentationml/2006/main">
   <p:cSld>
     <p:spTree>
@@ -4742,7 +5008,7 @@
 </p:sld>
 </file>
 
-<file path=ppt/slides/slide16.xml><?xml version="1.0" encoding="utf-8"?>
+<file path=ppt/slides/slide18.xml><?xml version="1.0" encoding="utf-8"?>
 <p:sld xmlns:a="http://schemas.openxmlformats.org/drawingml/2006/main" xmlns:r="http://schemas.openxmlformats.org/officeDocument/2006/relationships" xmlns:p="http://schemas.openxmlformats.org/presentationml/2006/main">
   <p:cSld>
     <p:spTree>
@@ -4897,7 +5163,7 @@
 </p:sld>
 </file>
 
-<file path=ppt/slides/slide17.xml><?xml version="1.0" encoding="utf-8"?>
+<file path=ppt/slides/slide19.xml><?xml version="1.0" encoding="utf-8"?>
 <p:sld xmlns:a="http://schemas.openxmlformats.org/drawingml/2006/main" xmlns:r="http://schemas.openxmlformats.org/officeDocument/2006/relationships" xmlns:p="http://schemas.openxmlformats.org/presentationml/2006/main">
   <p:cSld>
     <p:spTree>
@@ -5043,196 +5309,6 @@
     <p:extLst>
       <p:ext uri="{BB962C8B-B14F-4D97-AF65-F5344CB8AC3E}">
         <p14:creationId xmlns:p14="http://schemas.microsoft.com/office/powerpoint/2010/main" val="3477642323"/>
-      </p:ext>
-    </p:extLst>
-  </p:cSld>
-  <p:clrMapOvr>
-    <a:masterClrMapping/>
-  </p:clrMapOvr>
-</p:sld>
-</file>
-
-<file path=ppt/slides/slide18.xml><?xml version="1.0" encoding="utf-8"?>
-<p:sld xmlns:a="http://schemas.openxmlformats.org/drawingml/2006/main" xmlns:r="http://schemas.openxmlformats.org/officeDocument/2006/relationships" xmlns:p="http://schemas.openxmlformats.org/presentationml/2006/main">
-  <p:cSld>
-    <p:spTree>
-      <p:nvGrpSpPr>
-        <p:cNvPr id="1" name=""/>
-        <p:cNvGrpSpPr/>
-        <p:nvPr/>
-      </p:nvGrpSpPr>
-      <p:grpSpPr>
-        <a:xfrm>
-          <a:off x="0" y="0"/>
-          <a:ext cx="0" cy="0"/>
-          <a:chOff x="0" y="0"/>
-          <a:chExt cx="0" cy="0"/>
-        </a:xfrm>
-      </p:grpSpPr>
-      <p:sp>
-        <p:nvSpPr>
-          <p:cNvPr id="5" name="TextBox 4">
-            <a:extLst>
-              <a:ext uri="{FF2B5EF4-FFF2-40B4-BE49-F238E27FC236}">
-                <a16:creationId xmlns:a16="http://schemas.microsoft.com/office/drawing/2014/main" id="{E7FB4FC1-5B21-4521-894D-43266F30CCB9}"/>
-              </a:ext>
-            </a:extLst>
-          </p:cNvPr>
-          <p:cNvSpPr txBox="1"/>
-          <p:nvPr/>
-        </p:nvSpPr>
-        <p:spPr>
-          <a:xfrm>
-            <a:off x="1285461" y="86838"/>
-            <a:ext cx="2675732" cy="369332"/>
-          </a:xfrm>
-          <a:prstGeom prst="rect">
-            <a:avLst/>
-          </a:prstGeom>
-          <a:noFill/>
-        </p:spPr>
-        <p:txBody>
-          <a:bodyPr wrap="none" rtlCol="0">
-            <a:spAutoFit/>
-          </a:bodyPr>
-          <a:lstStyle/>
-          <a:p>
-            <a:r>
-              <a:rPr lang="en-US" dirty="0"/>
-              <a:t>Seafood vs. arsenic binned</a:t>
-            </a:r>
-          </a:p>
-        </p:txBody>
-      </p:sp>
-      <p:pic>
-        <p:nvPicPr>
-          <p:cNvPr id="2" name="Picture 1">
-            <a:extLst>
-              <a:ext uri="{FF2B5EF4-FFF2-40B4-BE49-F238E27FC236}">
-                <a16:creationId xmlns:a16="http://schemas.microsoft.com/office/drawing/2014/main" id="{BECA6434-384C-4B1C-AA54-5E6417336896}"/>
-              </a:ext>
-            </a:extLst>
-          </p:cNvPr>
-          <p:cNvPicPr>
-            <a:picLocks noChangeAspect="1"/>
-          </p:cNvPicPr>
-          <p:nvPr/>
-        </p:nvPicPr>
-        <p:blipFill>
-          <a:blip r:embed="rId2"/>
-          <a:stretch>
-            <a:fillRect/>
-          </a:stretch>
-        </p:blipFill>
-        <p:spPr>
-          <a:xfrm>
-            <a:off x="477078" y="736351"/>
-            <a:ext cx="7156174" cy="6034811"/>
-          </a:xfrm>
-          <a:prstGeom prst="rect">
-            <a:avLst/>
-          </a:prstGeom>
-        </p:spPr>
-      </p:pic>
-    </p:spTree>
-    <p:extLst>
-      <p:ext uri="{BB962C8B-B14F-4D97-AF65-F5344CB8AC3E}">
-        <p14:creationId xmlns:p14="http://schemas.microsoft.com/office/powerpoint/2010/main" val="2077810540"/>
-      </p:ext>
-    </p:extLst>
-  </p:cSld>
-  <p:clrMapOvr>
-    <a:masterClrMapping/>
-  </p:clrMapOvr>
-</p:sld>
-</file>
-
-<file path=ppt/slides/slide19.xml><?xml version="1.0" encoding="utf-8"?>
-<p:sld xmlns:a="http://schemas.openxmlformats.org/drawingml/2006/main" xmlns:r="http://schemas.openxmlformats.org/officeDocument/2006/relationships" xmlns:p="http://schemas.openxmlformats.org/presentationml/2006/main">
-  <p:cSld>
-    <p:spTree>
-      <p:nvGrpSpPr>
-        <p:cNvPr id="1" name=""/>
-        <p:cNvGrpSpPr/>
-        <p:nvPr/>
-      </p:nvGrpSpPr>
-      <p:grpSpPr>
-        <a:xfrm>
-          <a:off x="0" y="0"/>
-          <a:ext cx="0" cy="0"/>
-          <a:chOff x="0" y="0"/>
-          <a:chExt cx="0" cy="0"/>
-        </a:xfrm>
-      </p:grpSpPr>
-      <p:sp>
-        <p:nvSpPr>
-          <p:cNvPr id="5" name="TextBox 4">
-            <a:extLst>
-              <a:ext uri="{FF2B5EF4-FFF2-40B4-BE49-F238E27FC236}">
-                <a16:creationId xmlns:a16="http://schemas.microsoft.com/office/drawing/2014/main" id="{E7FB4FC1-5B21-4521-894D-43266F30CCB9}"/>
-              </a:ext>
-            </a:extLst>
-          </p:cNvPr>
-          <p:cNvSpPr txBox="1"/>
-          <p:nvPr/>
-        </p:nvSpPr>
-        <p:spPr>
-          <a:xfrm>
-            <a:off x="1285461" y="86838"/>
-            <a:ext cx="3553473" cy="369332"/>
-          </a:xfrm>
-          <a:prstGeom prst="rect">
-            <a:avLst/>
-          </a:prstGeom>
-          <a:noFill/>
-        </p:spPr>
-        <p:txBody>
-          <a:bodyPr wrap="none" rtlCol="0">
-            <a:spAutoFit/>
-          </a:bodyPr>
-          <a:lstStyle/>
-          <a:p>
-            <a:r>
-              <a:rPr lang="en-US" dirty="0"/>
-              <a:t>Seafood vs. dimethyl arsenic binned</a:t>
-            </a:r>
-          </a:p>
-        </p:txBody>
-      </p:sp>
-      <p:pic>
-        <p:nvPicPr>
-          <p:cNvPr id="3" name="Picture 2">
-            <a:extLst>
-              <a:ext uri="{FF2B5EF4-FFF2-40B4-BE49-F238E27FC236}">
-                <a16:creationId xmlns:a16="http://schemas.microsoft.com/office/drawing/2014/main" id="{9DDF8D19-6294-44C3-B07B-18B28DFF252D}"/>
-              </a:ext>
-            </a:extLst>
-          </p:cNvPr>
-          <p:cNvPicPr>
-            <a:picLocks noChangeAspect="1"/>
-          </p:cNvPicPr>
-          <p:nvPr/>
-        </p:nvPicPr>
-        <p:blipFill>
-          <a:blip r:embed="rId2"/>
-          <a:stretch>
-            <a:fillRect/>
-          </a:stretch>
-        </p:blipFill>
-        <p:spPr>
-          <a:xfrm>
-            <a:off x="695739" y="1106263"/>
-            <a:ext cx="6717526" cy="5664899"/>
-          </a:xfrm>
-          <a:prstGeom prst="rect">
-            <a:avLst/>
-          </a:prstGeom>
-        </p:spPr>
-      </p:pic>
-    </p:spTree>
-    <p:extLst>
-      <p:ext uri="{BB962C8B-B14F-4D97-AF65-F5344CB8AC3E}">
-        <p14:creationId xmlns:p14="http://schemas.microsoft.com/office/powerpoint/2010/main" val="3693810127"/>
       </p:ext>
     </p:extLst>
   </p:cSld>
@@ -5787,6 +5863,196 @@
           <a:chExt cx="0" cy="0"/>
         </a:xfrm>
       </p:grpSpPr>
+      <p:sp>
+        <p:nvSpPr>
+          <p:cNvPr id="5" name="TextBox 4">
+            <a:extLst>
+              <a:ext uri="{FF2B5EF4-FFF2-40B4-BE49-F238E27FC236}">
+                <a16:creationId xmlns:a16="http://schemas.microsoft.com/office/drawing/2014/main" id="{E7FB4FC1-5B21-4521-894D-43266F30CCB9}"/>
+              </a:ext>
+            </a:extLst>
+          </p:cNvPr>
+          <p:cNvSpPr txBox="1"/>
+          <p:nvPr/>
+        </p:nvSpPr>
+        <p:spPr>
+          <a:xfrm>
+            <a:off x="1285461" y="86838"/>
+            <a:ext cx="2675732" cy="369332"/>
+          </a:xfrm>
+          <a:prstGeom prst="rect">
+            <a:avLst/>
+          </a:prstGeom>
+          <a:noFill/>
+        </p:spPr>
+        <p:txBody>
+          <a:bodyPr wrap="none" rtlCol="0">
+            <a:spAutoFit/>
+          </a:bodyPr>
+          <a:lstStyle/>
+          <a:p>
+            <a:r>
+              <a:rPr lang="en-US" dirty="0"/>
+              <a:t>Seafood vs. arsenic binned</a:t>
+            </a:r>
+          </a:p>
+        </p:txBody>
+      </p:sp>
+      <p:pic>
+        <p:nvPicPr>
+          <p:cNvPr id="2" name="Picture 1">
+            <a:extLst>
+              <a:ext uri="{FF2B5EF4-FFF2-40B4-BE49-F238E27FC236}">
+                <a16:creationId xmlns:a16="http://schemas.microsoft.com/office/drawing/2014/main" id="{BECA6434-384C-4B1C-AA54-5E6417336896}"/>
+              </a:ext>
+            </a:extLst>
+          </p:cNvPr>
+          <p:cNvPicPr>
+            <a:picLocks noChangeAspect="1"/>
+          </p:cNvPicPr>
+          <p:nvPr/>
+        </p:nvPicPr>
+        <p:blipFill>
+          <a:blip r:embed="rId2"/>
+          <a:stretch>
+            <a:fillRect/>
+          </a:stretch>
+        </p:blipFill>
+        <p:spPr>
+          <a:xfrm>
+            <a:off x="477078" y="736351"/>
+            <a:ext cx="7156174" cy="6034811"/>
+          </a:xfrm>
+          <a:prstGeom prst="rect">
+            <a:avLst/>
+          </a:prstGeom>
+        </p:spPr>
+      </p:pic>
+    </p:spTree>
+    <p:extLst>
+      <p:ext uri="{BB962C8B-B14F-4D97-AF65-F5344CB8AC3E}">
+        <p14:creationId xmlns:p14="http://schemas.microsoft.com/office/powerpoint/2010/main" val="2077810540"/>
+      </p:ext>
+    </p:extLst>
+  </p:cSld>
+  <p:clrMapOvr>
+    <a:masterClrMapping/>
+  </p:clrMapOvr>
+</p:sld>
+</file>
+
+<file path=ppt/slides/slide21.xml><?xml version="1.0" encoding="utf-8"?>
+<p:sld xmlns:a="http://schemas.openxmlformats.org/drawingml/2006/main" xmlns:r="http://schemas.openxmlformats.org/officeDocument/2006/relationships" xmlns:p="http://schemas.openxmlformats.org/presentationml/2006/main">
+  <p:cSld>
+    <p:spTree>
+      <p:nvGrpSpPr>
+        <p:cNvPr id="1" name=""/>
+        <p:cNvGrpSpPr/>
+        <p:nvPr/>
+      </p:nvGrpSpPr>
+      <p:grpSpPr>
+        <a:xfrm>
+          <a:off x="0" y="0"/>
+          <a:ext cx="0" cy="0"/>
+          <a:chOff x="0" y="0"/>
+          <a:chExt cx="0" cy="0"/>
+        </a:xfrm>
+      </p:grpSpPr>
+      <p:sp>
+        <p:nvSpPr>
+          <p:cNvPr id="5" name="TextBox 4">
+            <a:extLst>
+              <a:ext uri="{FF2B5EF4-FFF2-40B4-BE49-F238E27FC236}">
+                <a16:creationId xmlns:a16="http://schemas.microsoft.com/office/drawing/2014/main" id="{E7FB4FC1-5B21-4521-894D-43266F30CCB9}"/>
+              </a:ext>
+            </a:extLst>
+          </p:cNvPr>
+          <p:cNvSpPr txBox="1"/>
+          <p:nvPr/>
+        </p:nvSpPr>
+        <p:spPr>
+          <a:xfrm>
+            <a:off x="1285461" y="86838"/>
+            <a:ext cx="3553473" cy="369332"/>
+          </a:xfrm>
+          <a:prstGeom prst="rect">
+            <a:avLst/>
+          </a:prstGeom>
+          <a:noFill/>
+        </p:spPr>
+        <p:txBody>
+          <a:bodyPr wrap="none" rtlCol="0">
+            <a:spAutoFit/>
+          </a:bodyPr>
+          <a:lstStyle/>
+          <a:p>
+            <a:r>
+              <a:rPr lang="en-US" dirty="0"/>
+              <a:t>Seafood vs. dimethyl arsenic binned</a:t>
+            </a:r>
+          </a:p>
+        </p:txBody>
+      </p:sp>
+      <p:pic>
+        <p:nvPicPr>
+          <p:cNvPr id="3" name="Picture 2">
+            <a:extLst>
+              <a:ext uri="{FF2B5EF4-FFF2-40B4-BE49-F238E27FC236}">
+                <a16:creationId xmlns:a16="http://schemas.microsoft.com/office/drawing/2014/main" id="{9DDF8D19-6294-44C3-B07B-18B28DFF252D}"/>
+              </a:ext>
+            </a:extLst>
+          </p:cNvPr>
+          <p:cNvPicPr>
+            <a:picLocks noChangeAspect="1"/>
+          </p:cNvPicPr>
+          <p:nvPr/>
+        </p:nvPicPr>
+        <p:blipFill>
+          <a:blip r:embed="rId2"/>
+          <a:stretch>
+            <a:fillRect/>
+          </a:stretch>
+        </p:blipFill>
+        <p:spPr>
+          <a:xfrm>
+            <a:off x="695739" y="1106263"/>
+            <a:ext cx="6717526" cy="5664899"/>
+          </a:xfrm>
+          <a:prstGeom prst="rect">
+            <a:avLst/>
+          </a:prstGeom>
+        </p:spPr>
+      </p:pic>
+    </p:spTree>
+    <p:extLst>
+      <p:ext uri="{BB962C8B-B14F-4D97-AF65-F5344CB8AC3E}">
+        <p14:creationId xmlns:p14="http://schemas.microsoft.com/office/powerpoint/2010/main" val="3693810127"/>
+      </p:ext>
+    </p:extLst>
+  </p:cSld>
+  <p:clrMapOvr>
+    <a:masterClrMapping/>
+  </p:clrMapOvr>
+</p:sld>
+</file>
+
+<file path=ppt/slides/slide22.xml><?xml version="1.0" encoding="utf-8"?>
+<p:sld xmlns:a="http://schemas.openxmlformats.org/drawingml/2006/main" xmlns:r="http://schemas.openxmlformats.org/officeDocument/2006/relationships" xmlns:p="http://schemas.openxmlformats.org/presentationml/2006/main">
+  <p:cSld>
+    <p:spTree>
+      <p:nvGrpSpPr>
+        <p:cNvPr id="1" name=""/>
+        <p:cNvGrpSpPr/>
+        <p:nvPr/>
+      </p:nvGrpSpPr>
+      <p:grpSpPr>
+        <a:xfrm>
+          <a:off x="0" y="0"/>
+          <a:ext cx="0" cy="0"/>
+          <a:chOff x="0" y="0"/>
+          <a:chExt cx="0" cy="0"/>
+        </a:xfrm>
+      </p:grpSpPr>
       <p:pic>
         <p:nvPicPr>
           <p:cNvPr id="4" name="Picture 3">
@@ -5865,7 +6131,7 @@
 </p:sld>
 </file>
 
-<file path=ppt/slides/slide21.xml><?xml version="1.0" encoding="utf-8"?>
+<file path=ppt/slides/slide23.xml><?xml version="1.0" encoding="utf-8"?>
 <p:sld xmlns:a="http://schemas.openxmlformats.org/drawingml/2006/main" xmlns:r="http://schemas.openxmlformats.org/officeDocument/2006/relationships" xmlns:p="http://schemas.openxmlformats.org/presentationml/2006/main">
   <p:cSld>
     <p:spTree>
@@ -6133,7 +6399,7 @@
 </p:sld>
 </file>
 
-<file path=ppt/slides/slide22.xml><?xml version="1.0" encoding="utf-8"?>
+<file path=ppt/slides/slide24.xml><?xml version="1.0" encoding="utf-8"?>
 <p:sld xmlns:a="http://schemas.openxmlformats.org/drawingml/2006/main" xmlns:r="http://schemas.openxmlformats.org/officeDocument/2006/relationships" xmlns:p="http://schemas.openxmlformats.org/presentationml/2006/main">
   <p:cSld>
     <p:spTree>
@@ -6844,7 +7110,7 @@
 </p:sld>
 </file>
 
-<file path=ppt/slides/slide23.xml><?xml version="1.0" encoding="utf-8"?>
+<file path=ppt/slides/slide25.xml><?xml version="1.0" encoding="utf-8"?>
 <p:sld xmlns:a="http://schemas.openxmlformats.org/drawingml/2006/main" xmlns:r="http://schemas.openxmlformats.org/officeDocument/2006/relationships" xmlns:p="http://schemas.openxmlformats.org/presentationml/2006/main">
   <p:cSld>
     <p:spTree>
@@ -7890,7 +8156,7 @@
 </p:sld>
 </file>
 
-<file path=ppt/slides/slide24.xml><?xml version="1.0" encoding="utf-8"?>
+<file path=ppt/slides/slide26.xml><?xml version="1.0" encoding="utf-8"?>
 <p:sld xmlns:a="http://schemas.openxmlformats.org/drawingml/2006/main" xmlns:r="http://schemas.openxmlformats.org/officeDocument/2006/relationships" xmlns:p="http://schemas.openxmlformats.org/presentationml/2006/main">
   <p:cSld>
     <p:spTree>
@@ -8308,7 +8574,7 @@
 </p:sld>
 </file>
 
-<file path=ppt/slides/slide25.xml><?xml version="1.0" encoding="utf-8"?>
+<file path=ppt/slides/slide27.xml><?xml version="1.0" encoding="utf-8"?>
 <p:sld xmlns:a="http://schemas.openxmlformats.org/drawingml/2006/main" xmlns:r="http://schemas.openxmlformats.org/officeDocument/2006/relationships" xmlns:p="http://schemas.openxmlformats.org/presentationml/2006/main">
   <p:cSld>
     <p:spTree>
@@ -8798,7 +9064,7 @@
 </p:sld>
 </file>
 
-<file path=ppt/slides/slide26.xml><?xml version="1.0" encoding="utf-8"?>
+<file path=ppt/slides/slide28.xml><?xml version="1.0" encoding="utf-8"?>
 <p:sld xmlns:a="http://schemas.openxmlformats.org/drawingml/2006/main" xmlns:r="http://schemas.openxmlformats.org/officeDocument/2006/relationships" xmlns:p="http://schemas.openxmlformats.org/presentationml/2006/main">
   <p:cSld>
     <p:spTree>
@@ -8815,123 +9081,62 @@
           <a:chExt cx="0" cy="0"/>
         </a:xfrm>
       </p:grpSpPr>
-      <p:grpSp>
-        <p:nvGrpSpPr>
-          <p:cNvPr id="11" name="Group 10">
-            <a:extLst>
-              <a:ext uri="{FF2B5EF4-FFF2-40B4-BE49-F238E27FC236}">
-                <a16:creationId xmlns:a16="http://schemas.microsoft.com/office/drawing/2014/main" id="{BB072ECB-CA8B-46E0-8D7F-64B805C85DC0}"/>
-              </a:ext>
-            </a:extLst>
-          </p:cNvPr>
-          <p:cNvGrpSpPr/>
-          <p:nvPr/>
-        </p:nvGrpSpPr>
-        <p:grpSpPr>
-          <a:xfrm>
-            <a:off x="385984" y="80285"/>
-            <a:ext cx="11528928" cy="3508037"/>
-            <a:chOff x="455254" y="1742836"/>
-            <a:chExt cx="10444149" cy="3095238"/>
-          </a:xfrm>
-        </p:grpSpPr>
-        <p:pic>
-          <p:nvPicPr>
-            <p:cNvPr id="8" name="Picture 7">
-              <a:extLst>
-                <a:ext uri="{FF2B5EF4-FFF2-40B4-BE49-F238E27FC236}">
-                  <a16:creationId xmlns:a16="http://schemas.microsoft.com/office/drawing/2014/main" id="{D0FEB409-4580-4F0C-837A-5EF159FCA8FD}"/>
-                </a:ext>
-              </a:extLst>
-            </p:cNvPr>
-            <p:cNvPicPr>
-              <a:picLocks noChangeAspect="1"/>
-            </p:cNvPicPr>
-            <p:nvPr/>
-          </p:nvPicPr>
-          <p:blipFill>
-            <a:blip r:embed="rId2"/>
-            <a:stretch>
-              <a:fillRect/>
-            </a:stretch>
-          </p:blipFill>
-          <p:spPr>
-            <a:xfrm>
-              <a:off x="455254" y="1742836"/>
-              <a:ext cx="3495238" cy="3095238"/>
-            </a:xfrm>
-            <a:prstGeom prst="rect">
-              <a:avLst/>
-            </a:prstGeom>
-          </p:spPr>
-        </p:pic>
-        <p:pic>
-          <p:nvPicPr>
-            <p:cNvPr id="9" name="Picture 8">
-              <a:extLst>
-                <a:ext uri="{FF2B5EF4-FFF2-40B4-BE49-F238E27FC236}">
-                  <a16:creationId xmlns:a16="http://schemas.microsoft.com/office/drawing/2014/main" id="{ED2D7FEF-1864-46CC-86EC-A7961C370DE6}"/>
-                </a:ext>
-              </a:extLst>
-            </p:cNvPr>
-            <p:cNvPicPr>
-              <a:picLocks noChangeAspect="1"/>
-            </p:cNvPicPr>
-            <p:nvPr/>
-          </p:nvPicPr>
-          <p:blipFill>
-            <a:blip r:embed="rId3"/>
-            <a:stretch>
-              <a:fillRect/>
-            </a:stretch>
-          </p:blipFill>
-          <p:spPr>
-            <a:xfrm>
-              <a:off x="3950492" y="1742836"/>
-              <a:ext cx="3495238" cy="3095238"/>
-            </a:xfrm>
-            <a:prstGeom prst="rect">
-              <a:avLst/>
-            </a:prstGeom>
-          </p:spPr>
-        </p:pic>
-        <p:pic>
-          <p:nvPicPr>
-            <p:cNvPr id="10" name="Picture 9">
-              <a:extLst>
-                <a:ext uri="{FF2B5EF4-FFF2-40B4-BE49-F238E27FC236}">
-                  <a16:creationId xmlns:a16="http://schemas.microsoft.com/office/drawing/2014/main" id="{51918CA0-12D4-45AA-A856-49B723159C8F}"/>
-                </a:ext>
-              </a:extLst>
-            </p:cNvPr>
-            <p:cNvPicPr>
-              <a:picLocks noChangeAspect="1"/>
-            </p:cNvPicPr>
-            <p:nvPr/>
-          </p:nvPicPr>
-          <p:blipFill>
-            <a:blip r:embed="rId4"/>
-            <a:stretch>
-              <a:fillRect/>
-            </a:stretch>
-          </p:blipFill>
-          <p:spPr>
-            <a:xfrm>
-              <a:off x="7404165" y="1742836"/>
-              <a:ext cx="3495238" cy="3095238"/>
-            </a:xfrm>
-            <a:prstGeom prst="rect">
-              <a:avLst/>
-            </a:prstGeom>
-          </p:spPr>
-        </p:pic>
-      </p:grpSp>
+      <p:sp>
+        <p:nvSpPr>
+          <p:cNvPr id="2" name="Title 1">
+            <a:extLst>
+              <a:ext uri="{FF2B5EF4-FFF2-40B4-BE49-F238E27FC236}">
+                <a16:creationId xmlns:a16="http://schemas.microsoft.com/office/drawing/2014/main" id="{69455D07-54CA-47E4-A42C-25955EB54244}"/>
+              </a:ext>
+            </a:extLst>
+          </p:cNvPr>
+          <p:cNvSpPr>
+            <a:spLocks noGrp="1"/>
+          </p:cNvSpPr>
+          <p:nvPr>
+            <p:ph type="title"/>
+          </p:nvPr>
+        </p:nvSpPr>
+        <p:spPr/>
+        <p:txBody>
+          <a:bodyPr/>
+          <a:lstStyle/>
+          <a:p>
+            <a:endParaRPr lang="en-US" dirty="0"/>
+          </a:p>
+        </p:txBody>
+      </p:sp>
+      <p:sp>
+        <p:nvSpPr>
+          <p:cNvPr id="3" name="Content Placeholder 2">
+            <a:extLst>
+              <a:ext uri="{FF2B5EF4-FFF2-40B4-BE49-F238E27FC236}">
+                <a16:creationId xmlns:a16="http://schemas.microsoft.com/office/drawing/2014/main" id="{394B4648-CCB7-4FB1-90E1-09A68152C3BA}"/>
+              </a:ext>
+            </a:extLst>
+          </p:cNvPr>
+          <p:cNvSpPr>
+            <a:spLocks noGrp="1"/>
+          </p:cNvSpPr>
+          <p:nvPr>
+            <p:ph idx="1"/>
+          </p:nvPr>
+        </p:nvSpPr>
+        <p:spPr/>
+        <p:txBody>
+          <a:bodyPr/>
+          <a:lstStyle/>
+          <a:p>
+            <a:endParaRPr lang="en-US" dirty="0"/>
+          </a:p>
+        </p:txBody>
+      </p:sp>
       <p:pic>
         <p:nvPicPr>
-          <p:cNvPr id="12" name="Picture 11">
-            <a:extLst>
-              <a:ext uri="{FF2B5EF4-FFF2-40B4-BE49-F238E27FC236}">
-                <a16:creationId xmlns:a16="http://schemas.microsoft.com/office/drawing/2014/main" id="{8511DA70-D9C7-46CB-8785-44839322CCD3}"/>
+          <p:cNvPr id="5" name="Picture 4">
+            <a:extLst>
+              <a:ext uri="{FF2B5EF4-FFF2-40B4-BE49-F238E27FC236}">
+                <a16:creationId xmlns:a16="http://schemas.microsoft.com/office/drawing/2014/main" id="{2CCEF2FC-3E6F-418C-955E-DB9E5EB7D73C}"/>
               </a:ext>
             </a:extLst>
           </p:cNvPr>
@@ -8941,15 +9146,45 @@
           <p:nvPr/>
         </p:nvPicPr>
         <p:blipFill>
-          <a:blip r:embed="rId5"/>
+          <a:blip r:embed="rId2"/>
           <a:stretch>
             <a:fillRect/>
           </a:stretch>
         </p:blipFill>
         <p:spPr>
           <a:xfrm>
-            <a:off x="4223689" y="3363824"/>
-            <a:ext cx="3945731" cy="3494176"/>
+            <a:off x="351283" y="2127502"/>
+            <a:ext cx="4942857" cy="4161905"/>
+          </a:xfrm>
+          <a:prstGeom prst="rect">
+            <a:avLst/>
+          </a:prstGeom>
+        </p:spPr>
+      </p:pic>
+      <p:pic>
+        <p:nvPicPr>
+          <p:cNvPr id="6" name="Picture 5">
+            <a:extLst>
+              <a:ext uri="{FF2B5EF4-FFF2-40B4-BE49-F238E27FC236}">
+                <a16:creationId xmlns:a16="http://schemas.microsoft.com/office/drawing/2014/main" id="{0ABA914C-AE1B-49C2-9415-07D556846CA6}"/>
+              </a:ext>
+            </a:extLst>
+          </p:cNvPr>
+          <p:cNvPicPr>
+            <a:picLocks noChangeAspect="1"/>
+          </p:cNvPicPr>
+          <p:nvPr/>
+        </p:nvPicPr>
+        <p:blipFill>
+          <a:blip r:embed="rId3"/>
+          <a:stretch>
+            <a:fillRect/>
+          </a:stretch>
+        </p:blipFill>
+        <p:spPr>
+          <a:xfrm>
+            <a:off x="5468086" y="2239946"/>
+            <a:ext cx="5885714" cy="4161905"/>
           </a:xfrm>
           <a:prstGeom prst="rect">
             <a:avLst/>
@@ -8959,7 +9194,7 @@
     </p:spTree>
     <p:extLst>
       <p:ext uri="{BB962C8B-B14F-4D97-AF65-F5344CB8AC3E}">
-        <p14:creationId xmlns:p14="http://schemas.microsoft.com/office/powerpoint/2010/main" val="1149140549"/>
+        <p14:creationId xmlns:p14="http://schemas.microsoft.com/office/powerpoint/2010/main" val="1180702271"/>
       </p:ext>
     </p:extLst>
   </p:cSld>
@@ -8969,7 +9204,7 @@
 </p:sld>
 </file>
 
-<file path=ppt/slides/slide27.xml><?xml version="1.0" encoding="utf-8"?>
+<file path=ppt/slides/slide29.xml><?xml version="1.0" encoding="utf-8"?>
 <p:sld xmlns:a="http://schemas.openxmlformats.org/drawingml/2006/main" xmlns:r="http://schemas.openxmlformats.org/officeDocument/2006/relationships" xmlns:p="http://schemas.openxmlformats.org/presentationml/2006/main">
   <p:cSld>
     <p:spTree>
@@ -8986,91 +9221,90 @@
           <a:chExt cx="0" cy="0"/>
         </a:xfrm>
       </p:grpSpPr>
-      <p:grpSp>
-        <p:nvGrpSpPr>
-          <p:cNvPr id="8" name="Group 7">
-            <a:extLst>
-              <a:ext uri="{FF2B5EF4-FFF2-40B4-BE49-F238E27FC236}">
-                <a16:creationId xmlns:a16="http://schemas.microsoft.com/office/drawing/2014/main" id="{E8E7AB4E-6CC7-43CE-83FA-7AC51376125F}"/>
-              </a:ext>
-            </a:extLst>
-          </p:cNvPr>
-          <p:cNvGrpSpPr/>
+      <p:sp>
+        <p:nvSpPr>
+          <p:cNvPr id="2" name="Title 1">
+            <a:extLst>
+              <a:ext uri="{FF2B5EF4-FFF2-40B4-BE49-F238E27FC236}">
+                <a16:creationId xmlns:a16="http://schemas.microsoft.com/office/drawing/2014/main" id="{8E47070C-0488-4518-A133-466C84AE5563}"/>
+              </a:ext>
+            </a:extLst>
+          </p:cNvPr>
+          <p:cNvSpPr>
+            <a:spLocks noGrp="1"/>
+          </p:cNvSpPr>
+          <p:nvPr>
+            <p:ph type="title"/>
+          </p:nvPr>
+        </p:nvSpPr>
+        <p:spPr/>
+        <p:txBody>
+          <a:bodyPr/>
+          <a:lstStyle/>
+          <a:p>
+            <a:endParaRPr lang="en-US"/>
+          </a:p>
+        </p:txBody>
+      </p:sp>
+      <p:sp>
+        <p:nvSpPr>
+          <p:cNvPr id="3" name="Content Placeholder 2">
+            <a:extLst>
+              <a:ext uri="{FF2B5EF4-FFF2-40B4-BE49-F238E27FC236}">
+                <a16:creationId xmlns:a16="http://schemas.microsoft.com/office/drawing/2014/main" id="{213FE23F-11F4-4072-A190-AF060387F823}"/>
+              </a:ext>
+            </a:extLst>
+          </p:cNvPr>
+          <p:cNvSpPr>
+            <a:spLocks noGrp="1"/>
+          </p:cNvSpPr>
+          <p:nvPr>
+            <p:ph idx="1"/>
+          </p:nvPr>
+        </p:nvSpPr>
+        <p:spPr/>
+        <p:txBody>
+          <a:bodyPr/>
+          <a:lstStyle/>
+          <a:p>
+            <a:endParaRPr lang="en-US"/>
+          </a:p>
+        </p:txBody>
+      </p:sp>
+      <p:pic>
+        <p:nvPicPr>
+          <p:cNvPr id="4" name="Picture 3">
+            <a:extLst>
+              <a:ext uri="{FF2B5EF4-FFF2-40B4-BE49-F238E27FC236}">
+                <a16:creationId xmlns:a16="http://schemas.microsoft.com/office/drawing/2014/main" id="{F70DA33D-289F-4949-952B-348926EFDE8C}"/>
+              </a:ext>
+            </a:extLst>
+          </p:cNvPr>
+          <p:cNvPicPr>
+            <a:picLocks noChangeAspect="1"/>
+          </p:cNvPicPr>
           <p:nvPr/>
-        </p:nvGrpSpPr>
-        <p:grpSpPr>
+        </p:nvPicPr>
+        <p:blipFill>
+          <a:blip r:embed="rId2"/>
+          <a:stretch>
+            <a:fillRect/>
+          </a:stretch>
+        </p:blipFill>
+        <p:spPr>
           <a:xfrm>
-            <a:off x="886687" y="1091667"/>
-            <a:ext cx="10016837" cy="4602546"/>
-            <a:chOff x="1814945" y="1881381"/>
-            <a:chExt cx="6990476" cy="3095238"/>
+            <a:off x="1138812" y="365124"/>
+            <a:ext cx="9091866" cy="6429039"/>
           </a:xfrm>
-        </p:grpSpPr>
-        <p:pic>
-          <p:nvPicPr>
-            <p:cNvPr id="3" name="Picture 2">
-              <a:extLst>
-                <a:ext uri="{FF2B5EF4-FFF2-40B4-BE49-F238E27FC236}">
-                  <a16:creationId xmlns:a16="http://schemas.microsoft.com/office/drawing/2014/main" id="{6E255F47-44D2-41F6-9813-2D4034854AF8}"/>
-                </a:ext>
-              </a:extLst>
-            </p:cNvPr>
-            <p:cNvPicPr>
-              <a:picLocks noChangeAspect="1"/>
-            </p:cNvPicPr>
-            <p:nvPr/>
-          </p:nvPicPr>
-          <p:blipFill>
-            <a:blip r:embed="rId2"/>
-            <a:stretch>
-              <a:fillRect/>
-            </a:stretch>
-          </p:blipFill>
-          <p:spPr>
-            <a:xfrm>
-              <a:off x="1814945" y="1881381"/>
-              <a:ext cx="3495238" cy="3095238"/>
-            </a:xfrm>
-            <a:prstGeom prst="rect">
-              <a:avLst/>
-            </a:prstGeom>
-          </p:spPr>
-        </p:pic>
-        <p:pic>
-          <p:nvPicPr>
-            <p:cNvPr id="7" name="Picture 6">
-              <a:extLst>
-                <a:ext uri="{FF2B5EF4-FFF2-40B4-BE49-F238E27FC236}">
-                  <a16:creationId xmlns:a16="http://schemas.microsoft.com/office/drawing/2014/main" id="{1762EBA4-94AE-4823-9CC8-9084ED410C3B}"/>
-                </a:ext>
-              </a:extLst>
-            </p:cNvPr>
-            <p:cNvPicPr>
-              <a:picLocks noChangeAspect="1"/>
-            </p:cNvPicPr>
-            <p:nvPr/>
-          </p:nvPicPr>
-          <p:blipFill>
-            <a:blip r:embed="rId3"/>
-            <a:stretch>
-              <a:fillRect/>
-            </a:stretch>
-          </p:blipFill>
-          <p:spPr>
-            <a:xfrm>
-              <a:off x="5310183" y="1881381"/>
-              <a:ext cx="3495238" cy="3095238"/>
-            </a:xfrm>
-            <a:prstGeom prst="rect">
-              <a:avLst/>
-            </a:prstGeom>
-          </p:spPr>
-        </p:pic>
-      </p:grpSp>
+          <a:prstGeom prst="rect">
+            <a:avLst/>
+          </a:prstGeom>
+        </p:spPr>
+      </p:pic>
     </p:spTree>
     <p:extLst>
       <p:ext uri="{BB962C8B-B14F-4D97-AF65-F5344CB8AC3E}">
-        <p14:creationId xmlns:p14="http://schemas.microsoft.com/office/powerpoint/2010/main" val="1108531324"/>
+        <p14:creationId xmlns:p14="http://schemas.microsoft.com/office/powerpoint/2010/main" val="4292656559"/>
       </p:ext>
     </p:extLst>
   </p:cSld>
@@ -9081,6 +9315,989 @@
 </file>
 
 <file path=ppt/slides/slide3.xml><?xml version="1.0" encoding="utf-8"?>
+<p:sld xmlns:a="http://schemas.openxmlformats.org/drawingml/2006/main" xmlns:r="http://schemas.openxmlformats.org/officeDocument/2006/relationships" xmlns:p="http://schemas.openxmlformats.org/presentationml/2006/main">
+  <p:cSld>
+    <p:spTree>
+      <p:nvGrpSpPr>
+        <p:cNvPr id="1" name=""/>
+        <p:cNvGrpSpPr/>
+        <p:nvPr/>
+      </p:nvGrpSpPr>
+      <p:grpSpPr>
+        <a:xfrm>
+          <a:off x="0" y="0"/>
+          <a:ext cx="0" cy="0"/>
+          <a:chOff x="0" y="0"/>
+          <a:chExt cx="0" cy="0"/>
+        </a:xfrm>
+      </p:grpSpPr>
+      <p:pic>
+        <p:nvPicPr>
+          <p:cNvPr id="5" name="Picture 4">
+            <a:extLst>
+              <a:ext uri="{FF2B5EF4-FFF2-40B4-BE49-F238E27FC236}">
+                <a16:creationId xmlns:a16="http://schemas.microsoft.com/office/drawing/2014/main" id="{B7961A44-CFAC-472B-B34D-C34C7E81F80E}"/>
+              </a:ext>
+            </a:extLst>
+          </p:cNvPr>
+          <p:cNvPicPr>
+            <a:picLocks noChangeAspect="1"/>
+          </p:cNvPicPr>
+          <p:nvPr/>
+        </p:nvPicPr>
+        <p:blipFill>
+          <a:blip r:embed="rId2"/>
+          <a:stretch>
+            <a:fillRect/>
+          </a:stretch>
+        </p:blipFill>
+        <p:spPr>
+          <a:xfrm>
+            <a:off x="0" y="0"/>
+            <a:ext cx="4076190" cy="3200000"/>
+          </a:xfrm>
+          <a:prstGeom prst="rect">
+            <a:avLst/>
+          </a:prstGeom>
+        </p:spPr>
+      </p:pic>
+      <p:pic>
+        <p:nvPicPr>
+          <p:cNvPr id="6" name="Picture 5">
+            <a:extLst>
+              <a:ext uri="{FF2B5EF4-FFF2-40B4-BE49-F238E27FC236}">
+                <a16:creationId xmlns:a16="http://schemas.microsoft.com/office/drawing/2014/main" id="{D8F495F2-1E9E-49D4-A5A6-634AA15B8ED9}"/>
+              </a:ext>
+            </a:extLst>
+          </p:cNvPr>
+          <p:cNvPicPr>
+            <a:picLocks noChangeAspect="1"/>
+          </p:cNvPicPr>
+          <p:nvPr/>
+        </p:nvPicPr>
+        <p:blipFill>
+          <a:blip r:embed="rId3"/>
+          <a:stretch>
+            <a:fillRect/>
+          </a:stretch>
+        </p:blipFill>
+        <p:spPr>
+          <a:xfrm>
+            <a:off x="4076190" y="0"/>
+            <a:ext cx="4076190" cy="3200000"/>
+          </a:xfrm>
+          <a:prstGeom prst="rect">
+            <a:avLst/>
+          </a:prstGeom>
+        </p:spPr>
+      </p:pic>
+      <p:pic>
+        <p:nvPicPr>
+          <p:cNvPr id="7" name="Picture 6">
+            <a:extLst>
+              <a:ext uri="{FF2B5EF4-FFF2-40B4-BE49-F238E27FC236}">
+                <a16:creationId xmlns:a16="http://schemas.microsoft.com/office/drawing/2014/main" id="{1C3871EB-4106-45D2-B8C8-875A15040E55}"/>
+              </a:ext>
+            </a:extLst>
+          </p:cNvPr>
+          <p:cNvPicPr>
+            <a:picLocks noChangeAspect="1"/>
+          </p:cNvPicPr>
+          <p:nvPr/>
+        </p:nvPicPr>
+        <p:blipFill>
+          <a:blip r:embed="rId4"/>
+          <a:stretch>
+            <a:fillRect/>
+          </a:stretch>
+        </p:blipFill>
+        <p:spPr>
+          <a:xfrm>
+            <a:off x="8152380" y="0"/>
+            <a:ext cx="4076190" cy="3200000"/>
+          </a:xfrm>
+          <a:prstGeom prst="rect">
+            <a:avLst/>
+          </a:prstGeom>
+        </p:spPr>
+      </p:pic>
+      <p:pic>
+        <p:nvPicPr>
+          <p:cNvPr id="8" name="Picture 7">
+            <a:extLst>
+              <a:ext uri="{FF2B5EF4-FFF2-40B4-BE49-F238E27FC236}">
+                <a16:creationId xmlns:a16="http://schemas.microsoft.com/office/drawing/2014/main" id="{DD5E15BC-B8AA-45DC-8AC9-5066A5478F29}"/>
+              </a:ext>
+            </a:extLst>
+          </p:cNvPr>
+          <p:cNvPicPr>
+            <a:picLocks noChangeAspect="1"/>
+          </p:cNvPicPr>
+          <p:nvPr/>
+        </p:nvPicPr>
+        <p:blipFill>
+          <a:blip r:embed="rId5"/>
+          <a:stretch>
+            <a:fillRect/>
+          </a:stretch>
+        </p:blipFill>
+        <p:spPr>
+          <a:xfrm>
+            <a:off x="2880436" y="3429000"/>
+            <a:ext cx="4076190" cy="3200000"/>
+          </a:xfrm>
+          <a:prstGeom prst="rect">
+            <a:avLst/>
+          </a:prstGeom>
+        </p:spPr>
+      </p:pic>
+      <p:pic>
+        <p:nvPicPr>
+          <p:cNvPr id="9" name="Picture 8">
+            <a:extLst>
+              <a:ext uri="{FF2B5EF4-FFF2-40B4-BE49-F238E27FC236}">
+                <a16:creationId xmlns:a16="http://schemas.microsoft.com/office/drawing/2014/main" id="{C8EDBBE5-8DA3-427B-AF47-044F7299AF3E}"/>
+              </a:ext>
+            </a:extLst>
+          </p:cNvPr>
+          <p:cNvPicPr>
+            <a:picLocks noChangeAspect="1"/>
+          </p:cNvPicPr>
+          <p:nvPr/>
+        </p:nvPicPr>
+        <p:blipFill>
+          <a:blip r:embed="rId6"/>
+          <a:stretch>
+            <a:fillRect/>
+          </a:stretch>
+        </p:blipFill>
+        <p:spPr>
+          <a:xfrm>
+            <a:off x="7273469" y="3429000"/>
+            <a:ext cx="4076190" cy="3200000"/>
+          </a:xfrm>
+          <a:prstGeom prst="rect">
+            <a:avLst/>
+          </a:prstGeom>
+        </p:spPr>
+      </p:pic>
+    </p:spTree>
+    <p:extLst>
+      <p:ext uri="{BB962C8B-B14F-4D97-AF65-F5344CB8AC3E}">
+        <p14:creationId xmlns:p14="http://schemas.microsoft.com/office/powerpoint/2010/main" val="1781192271"/>
+      </p:ext>
+    </p:extLst>
+  </p:cSld>
+  <p:clrMapOvr>
+    <a:masterClrMapping/>
+  </p:clrMapOvr>
+</p:sld>
+</file>
+
+<file path=ppt/slides/slide30.xml><?xml version="1.0" encoding="utf-8"?>
+<p:sld xmlns:a="http://schemas.openxmlformats.org/drawingml/2006/main" xmlns:r="http://schemas.openxmlformats.org/officeDocument/2006/relationships" xmlns:p="http://schemas.openxmlformats.org/presentationml/2006/main">
+  <p:cSld>
+    <p:spTree>
+      <p:nvGrpSpPr>
+        <p:cNvPr id="1" name=""/>
+        <p:cNvGrpSpPr/>
+        <p:nvPr/>
+      </p:nvGrpSpPr>
+      <p:grpSpPr>
+        <a:xfrm>
+          <a:off x="0" y="0"/>
+          <a:ext cx="0" cy="0"/>
+          <a:chOff x="0" y="0"/>
+          <a:chExt cx="0" cy="0"/>
+        </a:xfrm>
+      </p:grpSpPr>
+      <p:sp>
+        <p:nvSpPr>
+          <p:cNvPr id="2" name="Title 1">
+            <a:extLst>
+              <a:ext uri="{FF2B5EF4-FFF2-40B4-BE49-F238E27FC236}">
+                <a16:creationId xmlns:a16="http://schemas.microsoft.com/office/drawing/2014/main" id="{8E47070C-0488-4518-A133-466C84AE5563}"/>
+              </a:ext>
+            </a:extLst>
+          </p:cNvPr>
+          <p:cNvSpPr>
+            <a:spLocks noGrp="1"/>
+          </p:cNvSpPr>
+          <p:nvPr>
+            <p:ph type="title"/>
+          </p:nvPr>
+        </p:nvSpPr>
+        <p:spPr/>
+        <p:txBody>
+          <a:bodyPr/>
+          <a:lstStyle/>
+          <a:p>
+            <a:endParaRPr lang="en-US"/>
+          </a:p>
+        </p:txBody>
+      </p:sp>
+      <p:sp>
+        <p:nvSpPr>
+          <p:cNvPr id="3" name="Content Placeholder 2">
+            <a:extLst>
+              <a:ext uri="{FF2B5EF4-FFF2-40B4-BE49-F238E27FC236}">
+                <a16:creationId xmlns:a16="http://schemas.microsoft.com/office/drawing/2014/main" id="{213FE23F-11F4-4072-A190-AF060387F823}"/>
+              </a:ext>
+            </a:extLst>
+          </p:cNvPr>
+          <p:cNvSpPr>
+            <a:spLocks noGrp="1"/>
+          </p:cNvSpPr>
+          <p:nvPr>
+            <p:ph idx="1"/>
+          </p:nvPr>
+        </p:nvSpPr>
+        <p:spPr/>
+        <p:txBody>
+          <a:bodyPr/>
+          <a:lstStyle/>
+          <a:p>
+            <a:endParaRPr lang="en-US"/>
+          </a:p>
+        </p:txBody>
+      </p:sp>
+      <p:pic>
+        <p:nvPicPr>
+          <p:cNvPr id="4" name="Picture 3">
+            <a:extLst>
+              <a:ext uri="{FF2B5EF4-FFF2-40B4-BE49-F238E27FC236}">
+                <a16:creationId xmlns:a16="http://schemas.microsoft.com/office/drawing/2014/main" id="{F70DA33D-289F-4949-952B-348926EFDE8C}"/>
+              </a:ext>
+            </a:extLst>
+          </p:cNvPr>
+          <p:cNvPicPr>
+            <a:picLocks noChangeAspect="1"/>
+          </p:cNvPicPr>
+          <p:nvPr/>
+        </p:nvPicPr>
+        <p:blipFill>
+          <a:blip r:embed="rId2"/>
+          <a:stretch>
+            <a:fillRect/>
+          </a:stretch>
+        </p:blipFill>
+        <p:spPr>
+          <a:xfrm>
+            <a:off x="1138812" y="365124"/>
+            <a:ext cx="9091866" cy="6429039"/>
+          </a:xfrm>
+          <a:prstGeom prst="rect">
+            <a:avLst/>
+          </a:prstGeom>
+        </p:spPr>
+      </p:pic>
+      <p:sp>
+        <p:nvSpPr>
+          <p:cNvPr id="5" name="TextBox 4">
+            <a:extLst>
+              <a:ext uri="{FF2B5EF4-FFF2-40B4-BE49-F238E27FC236}">
+                <a16:creationId xmlns:a16="http://schemas.microsoft.com/office/drawing/2014/main" id="{70C7F6CD-45A2-42DE-97AA-274302478236}"/>
+              </a:ext>
+            </a:extLst>
+          </p:cNvPr>
+          <p:cNvSpPr txBox="1"/>
+          <p:nvPr/>
+        </p:nvSpPr>
+        <p:spPr>
+          <a:xfrm>
+            <a:off x="4267200" y="3394977"/>
+            <a:ext cx="1664045" cy="369332"/>
+          </a:xfrm>
+          <a:prstGeom prst="rect">
+            <a:avLst/>
+          </a:prstGeom>
+          <a:solidFill>
+            <a:srgbClr val="FFFFFF">
+              <a:alpha val="41961"/>
+            </a:srgbClr>
+          </a:solidFill>
+        </p:spPr>
+        <p:txBody>
+          <a:bodyPr wrap="none" rtlCol="0">
+            <a:spAutoFit/>
+          </a:bodyPr>
+          <a:lstStyle/>
+          <a:p>
+            <a:r>
+              <a:rPr lang="en-US" dirty="0"/>
+              <a:t>Missing sources</a:t>
+            </a:r>
+          </a:p>
+        </p:txBody>
+      </p:sp>
+      <p:sp>
+        <p:nvSpPr>
+          <p:cNvPr id="6" name="TextBox 5">
+            <a:extLst>
+              <a:ext uri="{FF2B5EF4-FFF2-40B4-BE49-F238E27FC236}">
+                <a16:creationId xmlns:a16="http://schemas.microsoft.com/office/drawing/2014/main" id="{0A43613C-091C-45F8-BC3E-FACDDDC11453}"/>
+              </a:ext>
+            </a:extLst>
+          </p:cNvPr>
+          <p:cNvSpPr txBox="1"/>
+          <p:nvPr/>
+        </p:nvSpPr>
+        <p:spPr>
+          <a:xfrm>
+            <a:off x="2614743" y="5728982"/>
+            <a:ext cx="5292603" cy="369332"/>
+          </a:xfrm>
+          <a:prstGeom prst="rect">
+            <a:avLst/>
+          </a:prstGeom>
+          <a:solidFill>
+            <a:srgbClr val="FFFFFF">
+              <a:alpha val="41961"/>
+            </a:srgbClr>
+          </a:solidFill>
+        </p:spPr>
+        <p:txBody>
+          <a:bodyPr wrap="none" rtlCol="0">
+            <a:spAutoFit/>
+          </a:bodyPr>
+          <a:lstStyle/>
+          <a:p>
+            <a:r>
+              <a:rPr lang="en-US" dirty="0"/>
+              <a:t>Exposure misclassification or noisy excretion estimates</a:t>
+            </a:r>
+          </a:p>
+        </p:txBody>
+      </p:sp>
+      <p:sp>
+        <p:nvSpPr>
+          <p:cNvPr id="7" name="TextBox 6">
+            <a:extLst>
+              <a:ext uri="{FF2B5EF4-FFF2-40B4-BE49-F238E27FC236}">
+                <a16:creationId xmlns:a16="http://schemas.microsoft.com/office/drawing/2014/main" id="{69D29C99-DEC4-49E2-A86F-A4157952FAEB}"/>
+              </a:ext>
+            </a:extLst>
+          </p:cNvPr>
+          <p:cNvSpPr txBox="1"/>
+          <p:nvPr/>
+        </p:nvSpPr>
+        <p:spPr>
+          <a:xfrm rot="16200000">
+            <a:off x="-188756" y="2077956"/>
+            <a:ext cx="4035144" cy="646331"/>
+          </a:xfrm>
+          <a:prstGeom prst="rect">
+            <a:avLst/>
+          </a:prstGeom>
+          <a:solidFill>
+            <a:srgbClr val="FFFFFF">
+              <a:alpha val="41961"/>
+            </a:srgbClr>
+          </a:solidFill>
+        </p:spPr>
+        <p:txBody>
+          <a:bodyPr wrap="none" rtlCol="0">
+            <a:spAutoFit/>
+          </a:bodyPr>
+          <a:lstStyle/>
+          <a:p>
+            <a:r>
+              <a:rPr lang="en-US" dirty="0"/>
+              <a:t>Systematic underestimate of excretion or</a:t>
+            </a:r>
+            <a:br>
+              <a:rPr lang="en-US" dirty="0"/>
+            </a:br>
+            <a:r>
+              <a:rPr lang="en-US" dirty="0"/>
+              <a:t>Overestimate of intake</a:t>
+            </a:r>
+          </a:p>
+        </p:txBody>
+      </p:sp>
+      <p:sp>
+        <p:nvSpPr>
+          <p:cNvPr id="8" name="TextBox 7">
+            <a:extLst>
+              <a:ext uri="{FF2B5EF4-FFF2-40B4-BE49-F238E27FC236}">
+                <a16:creationId xmlns:a16="http://schemas.microsoft.com/office/drawing/2014/main" id="{A8C7CFF4-68F7-420E-8FB9-7F3A464ED383}"/>
+              </a:ext>
+            </a:extLst>
+          </p:cNvPr>
+          <p:cNvSpPr txBox="1"/>
+          <p:nvPr/>
+        </p:nvSpPr>
+        <p:spPr>
+          <a:xfrm>
+            <a:off x="3786864" y="656112"/>
+            <a:ext cx="2624716" cy="1200329"/>
+          </a:xfrm>
+          <a:prstGeom prst="rect">
+            <a:avLst/>
+          </a:prstGeom>
+          <a:solidFill>
+            <a:srgbClr val="FFFFFF">
+              <a:alpha val="41961"/>
+            </a:srgbClr>
+          </a:solidFill>
+        </p:spPr>
+        <p:txBody>
+          <a:bodyPr wrap="square" rtlCol="0">
+            <a:spAutoFit/>
+          </a:bodyPr>
+          <a:lstStyle/>
+          <a:p>
+            <a:r>
+              <a:rPr lang="en-US" dirty="0"/>
+              <a:t>Missing sources + </a:t>
+            </a:r>
+            <a:br>
+              <a:rPr lang="en-US" dirty="0"/>
+            </a:br>
+            <a:r>
+              <a:rPr lang="en-US" dirty="0"/>
+              <a:t>Systematic underestimate of excretion or overestimate of intake</a:t>
+            </a:r>
+          </a:p>
+        </p:txBody>
+      </p:sp>
+    </p:spTree>
+    <p:extLst>
+      <p:ext uri="{BB962C8B-B14F-4D97-AF65-F5344CB8AC3E}">
+        <p14:creationId xmlns:p14="http://schemas.microsoft.com/office/powerpoint/2010/main" val="1172555557"/>
+      </p:ext>
+    </p:extLst>
+  </p:cSld>
+  <p:clrMapOvr>
+    <a:masterClrMapping/>
+  </p:clrMapOvr>
+</p:sld>
+</file>
+
+<file path=ppt/slides/slide31.xml><?xml version="1.0" encoding="utf-8"?>
+<p:sld xmlns:a="http://schemas.openxmlformats.org/drawingml/2006/main" xmlns:r="http://schemas.openxmlformats.org/officeDocument/2006/relationships" xmlns:p="http://schemas.openxmlformats.org/presentationml/2006/main">
+  <p:cSld>
+    <p:spTree>
+      <p:nvGrpSpPr>
+        <p:cNvPr id="1" name=""/>
+        <p:cNvGrpSpPr/>
+        <p:nvPr/>
+      </p:nvGrpSpPr>
+      <p:grpSpPr>
+        <a:xfrm>
+          <a:off x="0" y="0"/>
+          <a:ext cx="0" cy="0"/>
+          <a:chOff x="0" y="0"/>
+          <a:chExt cx="0" cy="0"/>
+        </a:xfrm>
+      </p:grpSpPr>
+      <p:pic>
+        <p:nvPicPr>
+          <p:cNvPr id="10" name="Picture 9">
+            <a:extLst>
+              <a:ext uri="{FF2B5EF4-FFF2-40B4-BE49-F238E27FC236}">
+                <a16:creationId xmlns:a16="http://schemas.microsoft.com/office/drawing/2014/main" id="{0A38E3C3-C959-411E-8913-9A734029F599}"/>
+              </a:ext>
+            </a:extLst>
+          </p:cNvPr>
+          <p:cNvPicPr>
+            <a:picLocks noChangeAspect="1"/>
+          </p:cNvPicPr>
+          <p:nvPr/>
+        </p:nvPicPr>
+        <p:blipFill>
+          <a:blip r:embed="rId2"/>
+          <a:stretch>
+            <a:fillRect/>
+          </a:stretch>
+        </p:blipFill>
+        <p:spPr>
+          <a:xfrm>
+            <a:off x="838857" y="119476"/>
+            <a:ext cx="10514286" cy="6619048"/>
+          </a:xfrm>
+          <a:prstGeom prst="rect">
+            <a:avLst/>
+          </a:prstGeom>
+        </p:spPr>
+      </p:pic>
+      <p:sp>
+        <p:nvSpPr>
+          <p:cNvPr id="5" name="TextBox 4">
+            <a:extLst>
+              <a:ext uri="{FF2B5EF4-FFF2-40B4-BE49-F238E27FC236}">
+                <a16:creationId xmlns:a16="http://schemas.microsoft.com/office/drawing/2014/main" id="{70C7F6CD-45A2-42DE-97AA-274302478236}"/>
+              </a:ext>
+            </a:extLst>
+          </p:cNvPr>
+          <p:cNvSpPr txBox="1"/>
+          <p:nvPr/>
+        </p:nvSpPr>
+        <p:spPr>
+          <a:xfrm>
+            <a:off x="4267200" y="3376853"/>
+            <a:ext cx="1334468" cy="307777"/>
+          </a:xfrm>
+          <a:prstGeom prst="rect">
+            <a:avLst/>
+          </a:prstGeom>
+          <a:solidFill>
+            <a:srgbClr val="FFFFFF">
+              <a:alpha val="41961"/>
+            </a:srgbClr>
+          </a:solidFill>
+        </p:spPr>
+        <p:txBody>
+          <a:bodyPr wrap="none" rtlCol="0">
+            <a:spAutoFit/>
+          </a:bodyPr>
+          <a:lstStyle/>
+          <a:p>
+            <a:r>
+              <a:rPr lang="en-US" sz="1400" i="1" dirty="0"/>
+              <a:t>Missing sources</a:t>
+            </a:r>
+          </a:p>
+        </p:txBody>
+      </p:sp>
+      <p:sp>
+        <p:nvSpPr>
+          <p:cNvPr id="6" name="TextBox 5">
+            <a:extLst>
+              <a:ext uri="{FF2B5EF4-FFF2-40B4-BE49-F238E27FC236}">
+                <a16:creationId xmlns:a16="http://schemas.microsoft.com/office/drawing/2014/main" id="{0A43613C-091C-45F8-BC3E-FACDDDC11453}"/>
+              </a:ext>
+            </a:extLst>
+          </p:cNvPr>
+          <p:cNvSpPr txBox="1"/>
+          <p:nvPr/>
+        </p:nvSpPr>
+        <p:spPr>
+          <a:xfrm>
+            <a:off x="2865309" y="5885603"/>
+            <a:ext cx="4132542" cy="307777"/>
+          </a:xfrm>
+          <a:prstGeom prst="rect">
+            <a:avLst/>
+          </a:prstGeom>
+          <a:solidFill>
+            <a:srgbClr val="FFFFFF">
+              <a:alpha val="41961"/>
+            </a:srgbClr>
+          </a:solidFill>
+        </p:spPr>
+        <p:txBody>
+          <a:bodyPr wrap="none" rtlCol="0">
+            <a:spAutoFit/>
+          </a:bodyPr>
+          <a:lstStyle/>
+          <a:p>
+            <a:r>
+              <a:rPr lang="en-US" sz="1400" i="1" dirty="0"/>
+              <a:t>Exposure misclassification or noisy excretion measures</a:t>
+            </a:r>
+          </a:p>
+        </p:txBody>
+      </p:sp>
+      <p:sp>
+        <p:nvSpPr>
+          <p:cNvPr id="7" name="TextBox 6">
+            <a:extLst>
+              <a:ext uri="{FF2B5EF4-FFF2-40B4-BE49-F238E27FC236}">
+                <a16:creationId xmlns:a16="http://schemas.microsoft.com/office/drawing/2014/main" id="{69D29C99-DEC4-49E2-A86F-A4157952FAEB}"/>
+              </a:ext>
+            </a:extLst>
+          </p:cNvPr>
+          <p:cNvSpPr txBox="1"/>
+          <p:nvPr/>
+        </p:nvSpPr>
+        <p:spPr>
+          <a:xfrm rot="16200000">
+            <a:off x="-493558" y="1313114"/>
+            <a:ext cx="4035144" cy="461665"/>
+          </a:xfrm>
+          <a:prstGeom prst="rect">
+            <a:avLst/>
+          </a:prstGeom>
+          <a:solidFill>
+            <a:srgbClr val="FFFFFF">
+              <a:alpha val="41961"/>
+            </a:srgbClr>
+          </a:solidFill>
+        </p:spPr>
+        <p:txBody>
+          <a:bodyPr wrap="square" rtlCol="0">
+            <a:spAutoFit/>
+          </a:bodyPr>
+          <a:lstStyle/>
+          <a:p>
+            <a:r>
+              <a:rPr lang="en-US" sz="1200" i="1" dirty="0"/>
+              <a:t>Systematic underestimate of excretion or overestimate of intake</a:t>
+            </a:r>
+          </a:p>
+        </p:txBody>
+      </p:sp>
+      <p:sp>
+        <p:nvSpPr>
+          <p:cNvPr id="8" name="TextBox 7">
+            <a:extLst>
+              <a:ext uri="{FF2B5EF4-FFF2-40B4-BE49-F238E27FC236}">
+                <a16:creationId xmlns:a16="http://schemas.microsoft.com/office/drawing/2014/main" id="{A8C7CFF4-68F7-420E-8FB9-7F3A464ED383}"/>
+              </a:ext>
+            </a:extLst>
+          </p:cNvPr>
+          <p:cNvSpPr txBox="1"/>
+          <p:nvPr/>
+        </p:nvSpPr>
+        <p:spPr>
+          <a:xfrm>
+            <a:off x="3038812" y="972397"/>
+            <a:ext cx="5137779" cy="523220"/>
+          </a:xfrm>
+          <a:prstGeom prst="rect">
+            <a:avLst/>
+          </a:prstGeom>
+          <a:solidFill>
+            <a:srgbClr val="FFFFFF">
+              <a:alpha val="41961"/>
+            </a:srgbClr>
+          </a:solidFill>
+        </p:spPr>
+        <p:txBody>
+          <a:bodyPr wrap="square" rtlCol="0">
+            <a:spAutoFit/>
+          </a:bodyPr>
+          <a:lstStyle/>
+          <a:p>
+            <a:r>
+              <a:rPr lang="en-US" sz="1400" i="1" dirty="0"/>
+              <a:t>Missing sources + </a:t>
+            </a:r>
+            <a:br>
+              <a:rPr lang="en-US" sz="1400" i="1" dirty="0"/>
+            </a:br>
+            <a:r>
+              <a:rPr lang="en-US" sz="1400" i="1" dirty="0"/>
+              <a:t>systematic underestimate of excretion or overestimate of intake</a:t>
+            </a:r>
+          </a:p>
+        </p:txBody>
+      </p:sp>
+    </p:spTree>
+    <p:extLst>
+      <p:ext uri="{BB962C8B-B14F-4D97-AF65-F5344CB8AC3E}">
+        <p14:creationId xmlns:p14="http://schemas.microsoft.com/office/powerpoint/2010/main" val="4009682758"/>
+      </p:ext>
+    </p:extLst>
+  </p:cSld>
+  <p:clrMapOvr>
+    <a:masterClrMapping/>
+  </p:clrMapOvr>
+</p:sld>
+</file>
+
+<file path=ppt/slides/slide32.xml><?xml version="1.0" encoding="utf-8"?>
+<p:sld xmlns:a="http://schemas.openxmlformats.org/drawingml/2006/main" xmlns:r="http://schemas.openxmlformats.org/officeDocument/2006/relationships" xmlns:p="http://schemas.openxmlformats.org/presentationml/2006/main">
+  <p:cSld>
+    <p:spTree>
+      <p:nvGrpSpPr>
+        <p:cNvPr id="1" name=""/>
+        <p:cNvGrpSpPr/>
+        <p:nvPr/>
+      </p:nvGrpSpPr>
+      <p:grpSpPr>
+        <a:xfrm>
+          <a:off x="0" y="0"/>
+          <a:ext cx="0" cy="0"/>
+          <a:chOff x="0" y="0"/>
+          <a:chExt cx="0" cy="0"/>
+        </a:xfrm>
+      </p:grpSpPr>
+      <p:pic>
+        <p:nvPicPr>
+          <p:cNvPr id="2" name="Picture 1">
+            <a:extLst>
+              <a:ext uri="{FF2B5EF4-FFF2-40B4-BE49-F238E27FC236}">
+                <a16:creationId xmlns:a16="http://schemas.microsoft.com/office/drawing/2014/main" id="{AADE3A81-F5F5-4EEA-B113-7AA1FAF7058C}"/>
+              </a:ext>
+            </a:extLst>
+          </p:cNvPr>
+          <p:cNvPicPr>
+            <a:picLocks noChangeAspect="1"/>
+          </p:cNvPicPr>
+          <p:nvPr/>
+        </p:nvPicPr>
+        <p:blipFill>
+          <a:blip r:embed="rId2"/>
+          <a:stretch>
+            <a:fillRect/>
+          </a:stretch>
+        </p:blipFill>
+        <p:spPr>
+          <a:xfrm>
+            <a:off x="1098877" y="0"/>
+            <a:ext cx="9994245" cy="6858000"/>
+          </a:xfrm>
+          <a:prstGeom prst="rect">
+            <a:avLst/>
+          </a:prstGeom>
+        </p:spPr>
+      </p:pic>
+    </p:spTree>
+    <p:extLst>
+      <p:ext uri="{BB962C8B-B14F-4D97-AF65-F5344CB8AC3E}">
+        <p14:creationId xmlns:p14="http://schemas.microsoft.com/office/powerpoint/2010/main" val="2152457916"/>
+      </p:ext>
+    </p:extLst>
+  </p:cSld>
+  <p:clrMapOvr>
+    <a:masterClrMapping/>
+  </p:clrMapOvr>
+</p:sld>
+</file>
+
+<file path=ppt/slides/slide33.xml><?xml version="1.0" encoding="utf-8"?>
+<p:sld xmlns:a="http://schemas.openxmlformats.org/drawingml/2006/main" xmlns:r="http://schemas.openxmlformats.org/officeDocument/2006/relationships" xmlns:p="http://schemas.openxmlformats.org/presentationml/2006/main">
+  <p:cSld>
+    <p:spTree>
+      <p:nvGrpSpPr>
+        <p:cNvPr id="1" name=""/>
+        <p:cNvGrpSpPr/>
+        <p:nvPr/>
+      </p:nvGrpSpPr>
+      <p:grpSpPr>
+        <a:xfrm>
+          <a:off x="0" y="0"/>
+          <a:ext cx="0" cy="0"/>
+          <a:chOff x="0" y="0"/>
+          <a:chExt cx="0" cy="0"/>
+        </a:xfrm>
+      </p:grpSpPr>
+      <p:pic>
+        <p:nvPicPr>
+          <p:cNvPr id="9" name="Picture 8">
+            <a:extLst>
+              <a:ext uri="{FF2B5EF4-FFF2-40B4-BE49-F238E27FC236}">
+                <a16:creationId xmlns:a16="http://schemas.microsoft.com/office/drawing/2014/main" id="{142C96B6-0DDD-4F6B-9B9C-44929A78B6B8}"/>
+              </a:ext>
+            </a:extLst>
+          </p:cNvPr>
+          <p:cNvPicPr>
+            <a:picLocks noChangeAspect="1"/>
+          </p:cNvPicPr>
+          <p:nvPr/>
+        </p:nvPicPr>
+        <p:blipFill>
+          <a:blip r:embed="rId2"/>
+          <a:stretch>
+            <a:fillRect/>
+          </a:stretch>
+        </p:blipFill>
+        <p:spPr>
+          <a:xfrm>
+            <a:off x="837744" y="213081"/>
+            <a:ext cx="10516511" cy="6431837"/>
+          </a:xfrm>
+          <a:prstGeom prst="rect">
+            <a:avLst/>
+          </a:prstGeom>
+        </p:spPr>
+      </p:pic>
+    </p:spTree>
+    <p:extLst>
+      <p:ext uri="{BB962C8B-B14F-4D97-AF65-F5344CB8AC3E}">
+        <p14:creationId xmlns:p14="http://schemas.microsoft.com/office/powerpoint/2010/main" val="4134533177"/>
+      </p:ext>
+    </p:extLst>
+  </p:cSld>
+  <p:clrMapOvr>
+    <a:masterClrMapping/>
+  </p:clrMapOvr>
+</p:sld>
+</file>
+
+<file path=ppt/slides/slide34.xml><?xml version="1.0" encoding="utf-8"?>
+<p:sld xmlns:a="http://schemas.openxmlformats.org/drawingml/2006/main" xmlns:r="http://schemas.openxmlformats.org/officeDocument/2006/relationships" xmlns:p="http://schemas.openxmlformats.org/presentationml/2006/main">
+  <p:cSld>
+    <p:spTree>
+      <p:nvGrpSpPr>
+        <p:cNvPr id="1" name=""/>
+        <p:cNvGrpSpPr/>
+        <p:nvPr/>
+      </p:nvGrpSpPr>
+      <p:grpSpPr>
+        <a:xfrm>
+          <a:off x="0" y="0"/>
+          <a:ext cx="0" cy="0"/>
+          <a:chOff x="0" y="0"/>
+          <a:chExt cx="0" cy="0"/>
+        </a:xfrm>
+      </p:grpSpPr>
+      <p:pic>
+        <p:nvPicPr>
+          <p:cNvPr id="4" name="Picture 3">
+            <a:extLst>
+              <a:ext uri="{FF2B5EF4-FFF2-40B4-BE49-F238E27FC236}">
+                <a16:creationId xmlns:a16="http://schemas.microsoft.com/office/drawing/2014/main" id="{FA46095C-D4E3-48DF-BF42-1AFEEBC9B6A0}"/>
+              </a:ext>
+            </a:extLst>
+          </p:cNvPr>
+          <p:cNvPicPr>
+            <a:picLocks noChangeAspect="1"/>
+          </p:cNvPicPr>
+          <p:nvPr/>
+        </p:nvPicPr>
+        <p:blipFill>
+          <a:blip r:embed="rId2"/>
+          <a:stretch>
+            <a:fillRect/>
+          </a:stretch>
+        </p:blipFill>
+        <p:spPr>
+          <a:xfrm>
+            <a:off x="0" y="413345"/>
+            <a:ext cx="12142857" cy="3990476"/>
+          </a:xfrm>
+          <a:prstGeom prst="rect">
+            <a:avLst/>
+          </a:prstGeom>
+        </p:spPr>
+      </p:pic>
+      <p:pic>
+        <p:nvPicPr>
+          <p:cNvPr id="5" name="Picture 4">
+            <a:extLst>
+              <a:ext uri="{FF2B5EF4-FFF2-40B4-BE49-F238E27FC236}">
+                <a16:creationId xmlns:a16="http://schemas.microsoft.com/office/drawing/2014/main" id="{9367A46F-394E-4B29-A00C-305BAE873C04}"/>
+              </a:ext>
+            </a:extLst>
+          </p:cNvPr>
+          <p:cNvPicPr>
+            <a:picLocks noChangeAspect="1"/>
+          </p:cNvPicPr>
+          <p:nvPr/>
+        </p:nvPicPr>
+        <p:blipFill>
+          <a:blip r:embed="rId3"/>
+          <a:stretch>
+            <a:fillRect/>
+          </a:stretch>
+        </p:blipFill>
+        <p:spPr>
+          <a:xfrm>
+            <a:off x="5022574" y="4290392"/>
+            <a:ext cx="3176190" cy="3280952"/>
+          </a:xfrm>
+          <a:prstGeom prst="rect">
+            <a:avLst/>
+          </a:prstGeom>
+        </p:spPr>
+      </p:pic>
+    </p:spTree>
+    <p:extLst>
+      <p:ext uri="{BB962C8B-B14F-4D97-AF65-F5344CB8AC3E}">
+        <p14:creationId xmlns:p14="http://schemas.microsoft.com/office/powerpoint/2010/main" val="3134178808"/>
+      </p:ext>
+    </p:extLst>
+  </p:cSld>
+  <p:clrMapOvr>
+    <a:masterClrMapping/>
+  </p:clrMapOvr>
+</p:sld>
+</file>
+
+<file path=ppt/slides/slide4.xml><?xml version="1.0" encoding="utf-8"?>
+<p:sld xmlns:a="http://schemas.openxmlformats.org/drawingml/2006/main" xmlns:r="http://schemas.openxmlformats.org/officeDocument/2006/relationships" xmlns:p="http://schemas.openxmlformats.org/presentationml/2006/main">
+  <p:cSld>
+    <p:spTree>
+      <p:nvGrpSpPr>
+        <p:cNvPr id="1" name=""/>
+        <p:cNvGrpSpPr/>
+        <p:nvPr/>
+      </p:nvGrpSpPr>
+      <p:grpSpPr>
+        <a:xfrm>
+          <a:off x="0" y="0"/>
+          <a:ext cx="0" cy="0"/>
+          <a:chOff x="0" y="0"/>
+          <a:chExt cx="0" cy="0"/>
+        </a:xfrm>
+      </p:grpSpPr>
+      <p:pic>
+        <p:nvPicPr>
+          <p:cNvPr id="2" name="Picture 1">
+            <a:extLst>
+              <a:ext uri="{FF2B5EF4-FFF2-40B4-BE49-F238E27FC236}">
+                <a16:creationId xmlns:a16="http://schemas.microsoft.com/office/drawing/2014/main" id="{428B2BE9-BC9F-4C43-9A98-5A7A4A2F2533}"/>
+              </a:ext>
+            </a:extLst>
+          </p:cNvPr>
+          <p:cNvPicPr>
+            <a:picLocks noChangeAspect="1"/>
+          </p:cNvPicPr>
+          <p:nvPr/>
+        </p:nvPicPr>
+        <p:blipFill>
+          <a:blip r:embed="rId2"/>
+          <a:stretch>
+            <a:fillRect/>
+          </a:stretch>
+        </p:blipFill>
+        <p:spPr>
+          <a:xfrm>
+            <a:off x="1195754" y="2081246"/>
+            <a:ext cx="4076190" cy="3200000"/>
+          </a:xfrm>
+          <a:prstGeom prst="rect">
+            <a:avLst/>
+          </a:prstGeom>
+        </p:spPr>
+      </p:pic>
+      <p:pic>
+        <p:nvPicPr>
+          <p:cNvPr id="4" name="Picture 3">
+            <a:extLst>
+              <a:ext uri="{FF2B5EF4-FFF2-40B4-BE49-F238E27FC236}">
+                <a16:creationId xmlns:a16="http://schemas.microsoft.com/office/drawing/2014/main" id="{B82FBFB8-1A83-4DC1-BDF4-D01743D77A10}"/>
+              </a:ext>
+            </a:extLst>
+          </p:cNvPr>
+          <p:cNvPicPr>
+            <a:picLocks noChangeAspect="1"/>
+          </p:cNvPicPr>
+          <p:nvPr/>
+        </p:nvPicPr>
+        <p:blipFill>
+          <a:blip r:embed="rId3"/>
+          <a:stretch>
+            <a:fillRect/>
+          </a:stretch>
+        </p:blipFill>
+        <p:spPr>
+          <a:xfrm>
+            <a:off x="5605351" y="2081246"/>
+            <a:ext cx="4076190" cy="3200000"/>
+          </a:xfrm>
+          <a:prstGeom prst="rect">
+            <a:avLst/>
+          </a:prstGeom>
+        </p:spPr>
+      </p:pic>
+    </p:spTree>
+    <p:extLst>
+      <p:ext uri="{BB962C8B-B14F-4D97-AF65-F5344CB8AC3E}">
+        <p14:creationId xmlns:p14="http://schemas.microsoft.com/office/powerpoint/2010/main" val="2057610376"/>
+      </p:ext>
+    </p:extLst>
+  </p:cSld>
+  <p:clrMapOvr>
+    <a:masterClrMapping/>
+  </p:clrMapOvr>
+</p:sld>
+</file>
+
+<file path=ppt/slides/slide5.xml><?xml version="1.0" encoding="utf-8"?>
 <p:sld xmlns:a="http://schemas.openxmlformats.org/drawingml/2006/main" xmlns:r="http://schemas.openxmlformats.org/officeDocument/2006/relationships" xmlns:p="http://schemas.openxmlformats.org/presentationml/2006/main">
   <p:cSld>
     <p:spTree>
@@ -9189,7 +10406,7 @@
 </p:sld>
 </file>
 
-<file path=ppt/slides/slide4.xml><?xml version="1.0" encoding="utf-8"?>
+<file path=ppt/slides/slide6.xml><?xml version="1.0" encoding="utf-8"?>
 <p:sld xmlns:a="http://schemas.openxmlformats.org/drawingml/2006/main" xmlns:r="http://schemas.openxmlformats.org/officeDocument/2006/relationships" xmlns:p="http://schemas.openxmlformats.org/presentationml/2006/main">
   <p:cSld>
     <p:spTree>
@@ -9309,7 +10526,7 @@
 </p:sld>
 </file>
 
-<file path=ppt/slides/slide5.xml><?xml version="1.0" encoding="utf-8"?>
+<file path=ppt/slides/slide7.xml><?xml version="1.0" encoding="utf-8"?>
 <p:sld xmlns:a="http://schemas.openxmlformats.org/drawingml/2006/main" xmlns:r="http://schemas.openxmlformats.org/officeDocument/2006/relationships" xmlns:p="http://schemas.openxmlformats.org/presentationml/2006/main">
   <p:cSld>
     <p:spTree>
@@ -9429,7 +10646,7 @@
 </p:sld>
 </file>
 
-<file path=ppt/slides/slide6.xml><?xml version="1.0" encoding="utf-8"?>
+<file path=ppt/slides/slide8.xml><?xml version="1.0" encoding="utf-8"?>
 <p:sld xmlns:a="http://schemas.openxmlformats.org/drawingml/2006/main" xmlns:r="http://schemas.openxmlformats.org/officeDocument/2006/relationships" xmlns:p="http://schemas.openxmlformats.org/presentationml/2006/main">
   <p:cSld>
     <p:spTree>
@@ -9549,7 +10766,7 @@
 </p:sld>
 </file>
 
-<file path=ppt/slides/slide7.xml><?xml version="1.0" encoding="utf-8"?>
+<file path=ppt/slides/slide9.xml><?xml version="1.0" encoding="utf-8"?>
 <p:sld xmlns:a="http://schemas.openxmlformats.org/drawingml/2006/main" xmlns:r="http://schemas.openxmlformats.org/officeDocument/2006/relationships" xmlns:p="http://schemas.openxmlformats.org/presentationml/2006/main">
   <p:cSld>
     <p:spTree>
@@ -9660,246 +10877,6 @@
     <p:extLst>
       <p:ext uri="{BB962C8B-B14F-4D97-AF65-F5344CB8AC3E}">
         <p14:creationId xmlns:p14="http://schemas.microsoft.com/office/powerpoint/2010/main" val="480039234"/>
-      </p:ext>
-    </p:extLst>
-  </p:cSld>
-  <p:clrMapOvr>
-    <a:masterClrMapping/>
-  </p:clrMapOvr>
-</p:sld>
-</file>
-
-<file path=ppt/slides/slide8.xml><?xml version="1.0" encoding="utf-8"?>
-<p:sld xmlns:a="http://schemas.openxmlformats.org/drawingml/2006/main" xmlns:r="http://schemas.openxmlformats.org/officeDocument/2006/relationships" xmlns:p="http://schemas.openxmlformats.org/presentationml/2006/main">
-  <p:cSld>
-    <p:spTree>
-      <p:nvGrpSpPr>
-        <p:cNvPr id="1" name=""/>
-        <p:cNvGrpSpPr/>
-        <p:nvPr/>
-      </p:nvGrpSpPr>
-      <p:grpSpPr>
-        <a:xfrm>
-          <a:off x="0" y="0"/>
-          <a:ext cx="0" cy="0"/>
-          <a:chOff x="0" y="0"/>
-          <a:chExt cx="0" cy="0"/>
-        </a:xfrm>
-      </p:grpSpPr>
-      <p:sp>
-        <p:nvSpPr>
-          <p:cNvPr id="2" name="Title 1">
-            <a:extLst>
-              <a:ext uri="{FF2B5EF4-FFF2-40B4-BE49-F238E27FC236}">
-                <a16:creationId xmlns:a16="http://schemas.microsoft.com/office/drawing/2014/main" id="{C815984A-1A42-4960-B3FD-79AFE0C6460D}"/>
-              </a:ext>
-            </a:extLst>
-          </p:cNvPr>
-          <p:cNvSpPr>
-            <a:spLocks noGrp="1"/>
-          </p:cNvSpPr>
-          <p:nvPr>
-            <p:ph type="title"/>
-          </p:nvPr>
-        </p:nvSpPr>
-        <p:spPr/>
-        <p:txBody>
-          <a:bodyPr>
-            <a:normAutofit fontScale="90000"/>
-          </a:bodyPr>
-          <a:lstStyle/>
-          <a:p>
-            <a:r>
-              <a:rPr lang="en-US" dirty="0"/>
-              <a:t>Do municipal and other source drinkers have different outcome distributions in each bin of drinking water arsenic?</a:t>
-            </a:r>
-          </a:p>
-        </p:txBody>
-      </p:sp>
-      <p:pic>
-        <p:nvPicPr>
-          <p:cNvPr id="3" name="Picture 2">
-            <a:extLst>
-              <a:ext uri="{FF2B5EF4-FFF2-40B4-BE49-F238E27FC236}">
-                <a16:creationId xmlns:a16="http://schemas.microsoft.com/office/drawing/2014/main" id="{8B7E99DB-F495-4196-A476-BED1594F201E}"/>
-              </a:ext>
-            </a:extLst>
-          </p:cNvPr>
-          <p:cNvPicPr>
-            <a:picLocks noChangeAspect="1"/>
-          </p:cNvPicPr>
-          <p:nvPr/>
-        </p:nvPicPr>
-        <p:blipFill>
-          <a:blip r:embed="rId2"/>
-          <a:stretch>
-            <a:fillRect/>
-          </a:stretch>
-        </p:blipFill>
-        <p:spPr>
-          <a:xfrm>
-            <a:off x="259552" y="2272822"/>
-            <a:ext cx="4914286" cy="4485714"/>
-          </a:xfrm>
-          <a:prstGeom prst="rect">
-            <a:avLst/>
-          </a:prstGeom>
-        </p:spPr>
-      </p:pic>
-      <p:pic>
-        <p:nvPicPr>
-          <p:cNvPr id="4" name="Picture 3">
-            <a:extLst>
-              <a:ext uri="{FF2B5EF4-FFF2-40B4-BE49-F238E27FC236}">
-                <a16:creationId xmlns:a16="http://schemas.microsoft.com/office/drawing/2014/main" id="{C14B8883-3C1E-452E-82D5-0922EFED02D8}"/>
-              </a:ext>
-            </a:extLst>
-          </p:cNvPr>
-          <p:cNvPicPr>
-            <a:picLocks noChangeAspect="1"/>
-          </p:cNvPicPr>
-          <p:nvPr/>
-        </p:nvPicPr>
-        <p:blipFill>
-          <a:blip r:embed="rId3"/>
-          <a:stretch>
-            <a:fillRect/>
-          </a:stretch>
-        </p:blipFill>
-        <p:spPr>
-          <a:xfrm>
-            <a:off x="6096000" y="2140300"/>
-            <a:ext cx="4914286" cy="4485714"/>
-          </a:xfrm>
-          <a:prstGeom prst="rect">
-            <a:avLst/>
-          </a:prstGeom>
-        </p:spPr>
-      </p:pic>
-    </p:spTree>
-    <p:extLst>
-      <p:ext uri="{BB962C8B-B14F-4D97-AF65-F5344CB8AC3E}">
-        <p14:creationId xmlns:p14="http://schemas.microsoft.com/office/powerpoint/2010/main" val="1404439945"/>
-      </p:ext>
-    </p:extLst>
-  </p:cSld>
-  <p:clrMapOvr>
-    <a:masterClrMapping/>
-  </p:clrMapOvr>
-</p:sld>
-</file>
-
-<file path=ppt/slides/slide9.xml><?xml version="1.0" encoding="utf-8"?>
-<p:sld xmlns:a="http://schemas.openxmlformats.org/drawingml/2006/main" xmlns:r="http://schemas.openxmlformats.org/officeDocument/2006/relationships" xmlns:p="http://schemas.openxmlformats.org/presentationml/2006/main">
-  <p:cSld>
-    <p:spTree>
-      <p:nvGrpSpPr>
-        <p:cNvPr id="1" name=""/>
-        <p:cNvGrpSpPr/>
-        <p:nvPr/>
-      </p:nvGrpSpPr>
-      <p:grpSpPr>
-        <a:xfrm>
-          <a:off x="0" y="0"/>
-          <a:ext cx="0" cy="0"/>
-          <a:chOff x="0" y="0"/>
-          <a:chExt cx="0" cy="0"/>
-        </a:xfrm>
-      </p:grpSpPr>
-      <p:sp>
-        <p:nvSpPr>
-          <p:cNvPr id="2" name="Title 1">
-            <a:extLst>
-              <a:ext uri="{FF2B5EF4-FFF2-40B4-BE49-F238E27FC236}">
-                <a16:creationId xmlns:a16="http://schemas.microsoft.com/office/drawing/2014/main" id="{C815984A-1A42-4960-B3FD-79AFE0C6460D}"/>
-              </a:ext>
-            </a:extLst>
-          </p:cNvPr>
-          <p:cNvSpPr>
-            <a:spLocks noGrp="1"/>
-          </p:cNvSpPr>
-          <p:nvPr>
-            <p:ph type="title"/>
-          </p:nvPr>
-        </p:nvSpPr>
-        <p:spPr/>
-        <p:txBody>
-          <a:bodyPr>
-            <a:normAutofit fontScale="90000"/>
-          </a:bodyPr>
-          <a:lstStyle/>
-          <a:p>
-            <a:r>
-              <a:rPr lang="en-US" dirty="0"/>
-              <a:t>Do municipal and other source drinkers have different outcome distributions in each bin of drinking water arsenic?</a:t>
-            </a:r>
-          </a:p>
-        </p:txBody>
-      </p:sp>
-      <p:pic>
-        <p:nvPicPr>
-          <p:cNvPr id="5" name="Picture 4">
-            <a:extLst>
-              <a:ext uri="{FF2B5EF4-FFF2-40B4-BE49-F238E27FC236}">
-                <a16:creationId xmlns:a16="http://schemas.microsoft.com/office/drawing/2014/main" id="{EB0D8D72-D566-420B-A279-8C3F19F2077B}"/>
-              </a:ext>
-            </a:extLst>
-          </p:cNvPr>
-          <p:cNvPicPr>
-            <a:picLocks noChangeAspect="1"/>
-          </p:cNvPicPr>
-          <p:nvPr/>
-        </p:nvPicPr>
-        <p:blipFill>
-          <a:blip r:embed="rId2"/>
-          <a:stretch>
-            <a:fillRect/>
-          </a:stretch>
-        </p:blipFill>
-        <p:spPr>
-          <a:xfrm>
-            <a:off x="272804" y="2140300"/>
-            <a:ext cx="4914286" cy="4485714"/>
-          </a:xfrm>
-          <a:prstGeom prst="rect">
-            <a:avLst/>
-          </a:prstGeom>
-        </p:spPr>
-      </p:pic>
-      <p:pic>
-        <p:nvPicPr>
-          <p:cNvPr id="6" name="Picture 5">
-            <a:extLst>
-              <a:ext uri="{FF2B5EF4-FFF2-40B4-BE49-F238E27FC236}">
-                <a16:creationId xmlns:a16="http://schemas.microsoft.com/office/drawing/2014/main" id="{7A16F652-9AFC-474E-A847-7D7B0B7E6639}"/>
-              </a:ext>
-            </a:extLst>
-          </p:cNvPr>
-          <p:cNvPicPr>
-            <a:picLocks noChangeAspect="1"/>
-          </p:cNvPicPr>
-          <p:nvPr/>
-        </p:nvPicPr>
-        <p:blipFill>
-          <a:blip r:embed="rId3"/>
-          <a:stretch>
-            <a:fillRect/>
-          </a:stretch>
-        </p:blipFill>
-        <p:spPr>
-          <a:xfrm>
-            <a:off x="5560422" y="2140300"/>
-            <a:ext cx="4914286" cy="4485714"/>
-          </a:xfrm>
-          <a:prstGeom prst="rect">
-            <a:avLst/>
-          </a:prstGeom>
-        </p:spPr>
-      </p:pic>
-    </p:spTree>
-    <p:extLst>
-      <p:ext uri="{BB962C8B-B14F-4D97-AF65-F5344CB8AC3E}">
-        <p14:creationId xmlns:p14="http://schemas.microsoft.com/office/powerpoint/2010/main" val="2255390969"/>
       </p:ext>
     </p:extLst>
   </p:cSld>
